--- a/slides/slides_only_figures.pptx
+++ b/slides/slides_only_figures.pptx
@@ -6,6 +6,7 @@
   </p:sldMasterIdLst>
   <p:sldIdLst>
     <p:sldId id="256" r:id="rId2"/>
+    <p:sldId id="257" r:id="rId3"/>
   </p:sldIdLst>
   <p:sldSz cx="9144000" cy="6858000" type="screen4x3"/>
   <p:notesSz cx="6858000" cy="9144000"/>
@@ -104,6 +105,11 @@
       </a:defRPr>
     </a:lvl9pPr>
   </p:defaultTextStyle>
+  <p:extLst>
+    <p:ext uri="{EFAFB233-063F-42B5-8137-9DF3F51BA10A}">
+      <p15:sldGuideLst xmlns:p15="http://schemas.microsoft.com/office/powerpoint/2012/main"/>
+    </p:ext>
+  </p:extLst>
 </p:presentation>
 </file>
 
@@ -238,7 +244,7 @@
           <a:p>
             <a:fld id="{7ED150AE-BA79-4C0E-9855-C9044BA06C08}" type="datetimeFigureOut">
               <a:rPr lang="en-IN" smtClean="0"/>
-              <a:t>01-07-2020</a:t>
+              <a:t>02-07-2020</a:t>
             </a:fld>
             <a:endParaRPr lang="en-IN"/>
           </a:p>
@@ -408,7 +414,7 @@
           <a:p>
             <a:fld id="{7ED150AE-BA79-4C0E-9855-C9044BA06C08}" type="datetimeFigureOut">
               <a:rPr lang="en-IN" smtClean="0"/>
-              <a:t>01-07-2020</a:t>
+              <a:t>02-07-2020</a:t>
             </a:fld>
             <a:endParaRPr lang="en-IN"/>
           </a:p>
@@ -588,7 +594,7 @@
           <a:p>
             <a:fld id="{7ED150AE-BA79-4C0E-9855-C9044BA06C08}" type="datetimeFigureOut">
               <a:rPr lang="en-IN" smtClean="0"/>
-              <a:t>01-07-2020</a:t>
+              <a:t>02-07-2020</a:t>
             </a:fld>
             <a:endParaRPr lang="en-IN"/>
           </a:p>
@@ -758,7 +764,7 @@
           <a:p>
             <a:fld id="{7ED150AE-BA79-4C0E-9855-C9044BA06C08}" type="datetimeFigureOut">
               <a:rPr lang="en-IN" smtClean="0"/>
-              <a:t>01-07-2020</a:t>
+              <a:t>02-07-2020</a:t>
             </a:fld>
             <a:endParaRPr lang="en-IN"/>
           </a:p>
@@ -1002,7 +1008,7 @@
           <a:p>
             <a:fld id="{7ED150AE-BA79-4C0E-9855-C9044BA06C08}" type="datetimeFigureOut">
               <a:rPr lang="en-IN" smtClean="0"/>
-              <a:t>01-07-2020</a:t>
+              <a:t>02-07-2020</a:t>
             </a:fld>
             <a:endParaRPr lang="en-IN"/>
           </a:p>
@@ -1234,7 +1240,7 @@
           <a:p>
             <a:fld id="{7ED150AE-BA79-4C0E-9855-C9044BA06C08}" type="datetimeFigureOut">
               <a:rPr lang="en-IN" smtClean="0"/>
-              <a:t>01-07-2020</a:t>
+              <a:t>02-07-2020</a:t>
             </a:fld>
             <a:endParaRPr lang="en-IN"/>
           </a:p>
@@ -1601,7 +1607,7 @@
           <a:p>
             <a:fld id="{7ED150AE-BA79-4C0E-9855-C9044BA06C08}" type="datetimeFigureOut">
               <a:rPr lang="en-IN" smtClean="0"/>
-              <a:t>01-07-2020</a:t>
+              <a:t>02-07-2020</a:t>
             </a:fld>
             <a:endParaRPr lang="en-IN"/>
           </a:p>
@@ -1719,7 +1725,7 @@
           <a:p>
             <a:fld id="{7ED150AE-BA79-4C0E-9855-C9044BA06C08}" type="datetimeFigureOut">
               <a:rPr lang="en-IN" smtClean="0"/>
-              <a:t>01-07-2020</a:t>
+              <a:t>02-07-2020</a:t>
             </a:fld>
             <a:endParaRPr lang="en-IN"/>
           </a:p>
@@ -1814,7 +1820,7 @@
           <a:p>
             <a:fld id="{7ED150AE-BA79-4C0E-9855-C9044BA06C08}" type="datetimeFigureOut">
               <a:rPr lang="en-IN" smtClean="0"/>
-              <a:t>01-07-2020</a:t>
+              <a:t>02-07-2020</a:t>
             </a:fld>
             <a:endParaRPr lang="en-IN"/>
           </a:p>
@@ -2091,7 +2097,7 @@
           <a:p>
             <a:fld id="{7ED150AE-BA79-4C0E-9855-C9044BA06C08}" type="datetimeFigureOut">
               <a:rPr lang="en-IN" smtClean="0"/>
-              <a:t>01-07-2020</a:t>
+              <a:t>02-07-2020</a:t>
             </a:fld>
             <a:endParaRPr lang="en-IN"/>
           </a:p>
@@ -2348,7 +2354,7 @@
           <a:p>
             <a:fld id="{7ED150AE-BA79-4C0E-9855-C9044BA06C08}" type="datetimeFigureOut">
               <a:rPr lang="en-IN" smtClean="0"/>
-              <a:t>01-07-2020</a:t>
+              <a:t>02-07-2020</a:t>
             </a:fld>
             <a:endParaRPr lang="en-IN"/>
           </a:p>
@@ -2561,7 +2567,7 @@
           <a:p>
             <a:fld id="{7ED150AE-BA79-4C0E-9855-C9044BA06C08}" type="datetimeFigureOut">
               <a:rPr lang="en-IN" smtClean="0"/>
-              <a:t>01-07-2020</a:t>
+              <a:t>02-07-2020</a:t>
             </a:fld>
             <a:endParaRPr lang="en-IN"/>
           </a:p>
@@ -3104,8 +3110,8 @@
           </a:p>
         </p:txBody>
       </p:sp>
-      <mc:AlternateContent xmlns:mc="http://schemas.openxmlformats.org/markup-compatibility/2006">
-        <mc:Choice xmlns:a14="http://schemas.microsoft.com/office/drawing/2010/main" Requires="a14">
+      <mc:AlternateContent xmlns:mc="http://schemas.openxmlformats.org/markup-compatibility/2006" xmlns:a14="http://schemas.microsoft.com/office/drawing/2010/main">
+        <mc:Choice Requires="a14">
           <p:sp>
             <p:nvSpPr>
               <p:cNvPr id="10" name="TextBox 9">
@@ -3120,7 +3126,7 @@
             </p:nvSpPr>
             <p:spPr>
               <a:xfrm>
-                <a:off x="476599" y="3287180"/>
+                <a:off x="476599" y="3283442"/>
                 <a:ext cx="643379" cy="461665"/>
               </a:xfrm>
               <a:prstGeom prst="rect">
@@ -3134,6 +3140,7 @@
               </a:bodyPr>
               <a:lstStyle/>
               <a:p>
+                <a:pPr/>
                 <a14:m>
                   <m:oMathPara xmlns:m="http://schemas.openxmlformats.org/officeDocument/2006/math">
                     <m:oMathParaPr>
@@ -3173,7 +3180,7 @@
             </p:txBody>
           </p:sp>
         </mc:Choice>
-        <mc:Fallback>
+        <mc:Fallback xmlns="">
           <p:sp>
             <p:nvSpPr>
               <p:cNvPr id="10" name="TextBox 9">
@@ -3190,7 +3197,7 @@
             </p:nvSpPr>
             <p:spPr>
               <a:xfrm>
-                <a:off x="476599" y="3287180"/>
+                <a:off x="476599" y="3283442"/>
                 <a:ext cx="643379" cy="461665"/>
               </a:xfrm>
               <a:prstGeom prst="rect">
@@ -3218,8 +3225,8 @@
           </p:sp>
         </mc:Fallback>
       </mc:AlternateContent>
-      <mc:AlternateContent xmlns:mc="http://schemas.openxmlformats.org/markup-compatibility/2006">
-        <mc:Choice xmlns:a14="http://schemas.microsoft.com/office/drawing/2010/main" Requires="a14">
+      <mc:AlternateContent xmlns:mc="http://schemas.openxmlformats.org/markup-compatibility/2006" xmlns:a14="http://schemas.microsoft.com/office/drawing/2010/main">
+        <mc:Choice Requires="a14">
           <p:sp>
             <p:nvSpPr>
               <p:cNvPr id="12" name="TextBox 11">
@@ -3248,6 +3255,7 @@
               </a:bodyPr>
               <a:lstStyle/>
               <a:p>
+                <a:pPr/>
                 <a14:m>
                   <m:oMathPara xmlns:m="http://schemas.openxmlformats.org/officeDocument/2006/math">
                     <m:oMathParaPr>
@@ -3287,7 +3295,7 @@
             </p:txBody>
           </p:sp>
         </mc:Choice>
-        <mc:Fallback>
+        <mc:Fallback xmlns="">
           <p:sp>
             <p:nvSpPr>
               <p:cNvPr id="12" name="TextBox 11">
@@ -3332,8 +3340,8 @@
           </p:sp>
         </mc:Fallback>
       </mc:AlternateContent>
-      <mc:AlternateContent xmlns:mc="http://schemas.openxmlformats.org/markup-compatibility/2006">
-        <mc:Choice xmlns:a14="http://schemas.microsoft.com/office/drawing/2010/main" Requires="a14">
+      <mc:AlternateContent xmlns:mc="http://schemas.openxmlformats.org/markup-compatibility/2006" xmlns:a14="http://schemas.microsoft.com/office/drawing/2010/main">
+        <mc:Choice Requires="a14">
           <p:sp>
             <p:nvSpPr>
               <p:cNvPr id="13" name="TextBox 12">
@@ -3362,6 +3370,7 @@
               </a:bodyPr>
               <a:lstStyle/>
               <a:p>
+                <a:pPr/>
                 <a14:m>
                   <m:oMathPara xmlns:m="http://schemas.openxmlformats.org/officeDocument/2006/math">
                     <m:oMathParaPr>
@@ -3401,7 +3410,7 @@
             </p:txBody>
           </p:sp>
         </mc:Choice>
-        <mc:Fallback>
+        <mc:Fallback xmlns="">
           <p:sp>
             <p:nvSpPr>
               <p:cNvPr id="13" name="TextBox 12">
@@ -3500,8 +3509,8 @@
           </a:p>
         </p:txBody>
       </p:sp>
-      <mc:AlternateContent xmlns:mc="http://schemas.openxmlformats.org/markup-compatibility/2006">
-        <mc:Choice xmlns:a14="http://schemas.microsoft.com/office/drawing/2010/main" Requires="a14">
+      <mc:AlternateContent xmlns:mc="http://schemas.openxmlformats.org/markup-compatibility/2006" xmlns:a14="http://schemas.microsoft.com/office/drawing/2010/main">
+        <mc:Choice Requires="a14">
           <p:sp>
             <p:nvSpPr>
               <p:cNvPr id="18" name="TextBox 17">
@@ -3530,6 +3539,7 @@
               </a:bodyPr>
               <a:lstStyle/>
               <a:p>
+                <a:pPr/>
                 <a14:m>
                   <m:oMathPara xmlns:m="http://schemas.openxmlformats.org/officeDocument/2006/math">
                     <m:oMathParaPr>
@@ -3599,7 +3609,7 @@
             </p:txBody>
           </p:sp>
         </mc:Choice>
-        <mc:Fallback>
+        <mc:Fallback xmlns="">
           <p:sp>
             <p:nvSpPr>
               <p:cNvPr id="18" name="TextBox 17">
@@ -3644,8 +3654,8 @@
           </p:sp>
         </mc:Fallback>
       </mc:AlternateContent>
-      <mc:AlternateContent xmlns:mc="http://schemas.openxmlformats.org/markup-compatibility/2006">
-        <mc:Choice xmlns:a14="http://schemas.microsoft.com/office/drawing/2010/main" Requires="a14">
+      <mc:AlternateContent xmlns:mc="http://schemas.openxmlformats.org/markup-compatibility/2006" xmlns:a14="http://schemas.microsoft.com/office/drawing/2010/main">
+        <mc:Choice Requires="a14">
           <p:sp>
             <p:nvSpPr>
               <p:cNvPr id="20" name="TextBox 19">
@@ -3674,6 +3684,7 @@
               </a:bodyPr>
               <a:lstStyle/>
               <a:p>
+                <a:pPr/>
                 <a14:m>
                   <m:oMathPara xmlns:m="http://schemas.openxmlformats.org/officeDocument/2006/math">
                     <m:oMathParaPr>
@@ -3729,7 +3740,7 @@
             </p:txBody>
           </p:sp>
         </mc:Choice>
-        <mc:Fallback>
+        <mc:Fallback xmlns="">
           <p:sp>
             <p:nvSpPr>
               <p:cNvPr id="20" name="TextBox 19">
@@ -3774,8 +3785,8 @@
           </p:sp>
         </mc:Fallback>
       </mc:AlternateContent>
-      <mc:AlternateContent xmlns:mc="http://schemas.openxmlformats.org/markup-compatibility/2006">
-        <mc:Choice xmlns:a14="http://schemas.microsoft.com/office/drawing/2010/main" Requires="a14">
+      <mc:AlternateContent xmlns:mc="http://schemas.openxmlformats.org/markup-compatibility/2006" xmlns:a14="http://schemas.microsoft.com/office/drawing/2010/main">
+        <mc:Choice Requires="a14">
           <p:sp>
             <p:nvSpPr>
               <p:cNvPr id="22" name="TextBox 21">
@@ -3804,6 +3815,7 @@
               </a:bodyPr>
               <a:lstStyle/>
               <a:p>
+                <a:pPr/>
                 <a14:m>
                   <m:oMathPara xmlns:m="http://schemas.openxmlformats.org/officeDocument/2006/math">
                     <m:oMathParaPr>
@@ -4058,7 +4070,7 @@
             </p:txBody>
           </p:sp>
         </mc:Choice>
-        <mc:Fallback>
+        <mc:Fallback xmlns="">
           <p:sp>
             <p:nvSpPr>
               <p:cNvPr id="22" name="TextBox 21">
@@ -4323,6 +4335,2154 @@
     <p:extLst>
       <p:ext uri="{BB962C8B-B14F-4D97-AF65-F5344CB8AC3E}">
         <p14:creationId xmlns:p14="http://schemas.microsoft.com/office/powerpoint/2010/main" val="429008167"/>
+      </p:ext>
+    </p:extLst>
+  </p:cSld>
+  <p:clrMapOvr>
+    <a:masterClrMapping/>
+  </p:clrMapOvr>
+</p:sld>
+</file>
+
+<file path=ppt/slides/slide2.xml><?xml version="1.0" encoding="utf-8"?>
+<p:sld xmlns:a="http://schemas.openxmlformats.org/drawingml/2006/main" xmlns:r="http://schemas.openxmlformats.org/officeDocument/2006/relationships" xmlns:p="http://schemas.openxmlformats.org/presentationml/2006/main">
+  <p:cSld>
+    <p:spTree>
+      <p:nvGrpSpPr>
+        <p:cNvPr id="1" name=""/>
+        <p:cNvGrpSpPr/>
+        <p:nvPr/>
+      </p:nvGrpSpPr>
+      <p:grpSpPr>
+        <a:xfrm>
+          <a:off x="0" y="0"/>
+          <a:ext cx="0" cy="0"/>
+          <a:chOff x="0" y="0"/>
+          <a:chExt cx="0" cy="0"/>
+        </a:xfrm>
+      </p:grpSpPr>
+      <p:sp>
+        <p:nvSpPr>
+          <p:cNvPr id="15" name="Rectangle 14">
+            <a:extLst>
+              <a:ext uri="{FF2B5EF4-FFF2-40B4-BE49-F238E27FC236}">
+                <a16:creationId xmlns:a16="http://schemas.microsoft.com/office/drawing/2014/main" id="{44048A25-8042-4ED2-AE15-5CC9CCA31460}"/>
+              </a:ext>
+            </a:extLst>
+          </p:cNvPr>
+          <p:cNvSpPr/>
+          <p:nvPr/>
+        </p:nvSpPr>
+        <p:spPr>
+          <a:xfrm rot="10800000">
+            <a:off x="3058999" y="2945871"/>
+            <a:ext cx="212110" cy="2639512"/>
+          </a:xfrm>
+          <a:prstGeom prst="rect">
+            <a:avLst/>
+          </a:prstGeom>
+          <a:solidFill>
+            <a:srgbClr val="92D050"/>
+          </a:solidFill>
+          <a:ln>
+            <a:noFill/>
+          </a:ln>
+        </p:spPr>
+        <p:style>
+          <a:lnRef idx="2">
+            <a:schemeClr val="accent1">
+              <a:shade val="50000"/>
+            </a:schemeClr>
+          </a:lnRef>
+          <a:fillRef idx="1">
+            <a:schemeClr val="accent1"/>
+          </a:fillRef>
+          <a:effectRef idx="0">
+            <a:schemeClr val="accent1"/>
+          </a:effectRef>
+          <a:fontRef idx="minor">
+            <a:schemeClr val="lt1"/>
+          </a:fontRef>
+        </p:style>
+        <p:txBody>
+          <a:bodyPr rtlCol="0" anchor="ctr"/>
+          <a:lstStyle/>
+          <a:p>
+            <a:pPr algn="ctr"/>
+            <a:endParaRPr lang="en-IN" dirty="0"/>
+          </a:p>
+        </p:txBody>
+      </p:sp>
+      <p:sp>
+        <p:nvSpPr>
+          <p:cNvPr id="3" name="Rectangle 2">
+            <a:extLst>
+              <a:ext uri="{FF2B5EF4-FFF2-40B4-BE49-F238E27FC236}">
+                <a16:creationId xmlns:a16="http://schemas.microsoft.com/office/drawing/2014/main" id="{AAA50019-AE00-46ED-BCFB-BD29CF0EAD7A}"/>
+              </a:ext>
+            </a:extLst>
+          </p:cNvPr>
+          <p:cNvSpPr/>
+          <p:nvPr/>
+        </p:nvSpPr>
+        <p:spPr>
+          <a:xfrm>
+            <a:off x="1633797" y="381446"/>
+            <a:ext cx="1116835" cy="2604023"/>
+          </a:xfrm>
+          <a:prstGeom prst="rect">
+            <a:avLst/>
+          </a:prstGeom>
+          <a:solidFill>
+            <a:srgbClr val="92D050"/>
+          </a:solidFill>
+          <a:ln>
+            <a:noFill/>
+          </a:ln>
+        </p:spPr>
+        <p:style>
+          <a:lnRef idx="2">
+            <a:schemeClr val="accent1">
+              <a:shade val="50000"/>
+            </a:schemeClr>
+          </a:lnRef>
+          <a:fillRef idx="1">
+            <a:schemeClr val="accent1"/>
+          </a:fillRef>
+          <a:effectRef idx="0">
+            <a:schemeClr val="accent1"/>
+          </a:effectRef>
+          <a:fontRef idx="minor">
+            <a:schemeClr val="lt1"/>
+          </a:fontRef>
+        </p:style>
+        <p:txBody>
+          <a:bodyPr rtlCol="0" anchor="ctr"/>
+          <a:lstStyle/>
+          <a:p>
+            <a:pPr algn="ctr"/>
+            <a:endParaRPr lang="en-IN" dirty="0"/>
+          </a:p>
+        </p:txBody>
+      </p:sp>
+      <p:sp>
+        <p:nvSpPr>
+          <p:cNvPr id="4" name="Rectangle 3">
+            <a:extLst>
+              <a:ext uri="{FF2B5EF4-FFF2-40B4-BE49-F238E27FC236}">
+                <a16:creationId xmlns:a16="http://schemas.microsoft.com/office/drawing/2014/main" id="{F8D91BEE-0CA8-49F8-BAFF-B1CDBD958422}"/>
+              </a:ext>
+            </a:extLst>
+          </p:cNvPr>
+          <p:cNvSpPr/>
+          <p:nvPr/>
+        </p:nvSpPr>
+        <p:spPr>
+          <a:xfrm rot="10800000">
+            <a:off x="2745552" y="2762053"/>
+            <a:ext cx="299304" cy="223417"/>
+          </a:xfrm>
+          <a:prstGeom prst="rect">
+            <a:avLst/>
+          </a:prstGeom>
+          <a:solidFill>
+            <a:srgbClr val="92D050"/>
+          </a:solidFill>
+          <a:ln>
+            <a:noFill/>
+          </a:ln>
+        </p:spPr>
+        <p:style>
+          <a:lnRef idx="2">
+            <a:schemeClr val="accent1">
+              <a:shade val="50000"/>
+            </a:schemeClr>
+          </a:lnRef>
+          <a:fillRef idx="1">
+            <a:schemeClr val="accent1"/>
+          </a:fillRef>
+          <a:effectRef idx="0">
+            <a:schemeClr val="accent1"/>
+          </a:effectRef>
+          <a:fontRef idx="minor">
+            <a:schemeClr val="lt1"/>
+          </a:fontRef>
+        </p:style>
+        <p:txBody>
+          <a:bodyPr rtlCol="0" anchor="ctr"/>
+          <a:lstStyle/>
+          <a:p>
+            <a:pPr algn="ctr"/>
+            <a:endParaRPr lang="en-IN" dirty="0"/>
+          </a:p>
+        </p:txBody>
+      </p:sp>
+      <p:sp>
+        <p:nvSpPr>
+          <p:cNvPr id="14" name="Rectangle 13">
+            <a:extLst>
+              <a:ext uri="{FF2B5EF4-FFF2-40B4-BE49-F238E27FC236}">
+                <a16:creationId xmlns:a16="http://schemas.microsoft.com/office/drawing/2014/main" id="{45443EC7-D1F4-4615-85BC-A8AB361CCA5D}"/>
+              </a:ext>
+            </a:extLst>
+          </p:cNvPr>
+          <p:cNvSpPr/>
+          <p:nvPr/>
+        </p:nvSpPr>
+        <p:spPr>
+          <a:xfrm rot="10800000">
+            <a:off x="3044858" y="2762055"/>
+            <a:ext cx="226251" cy="183816"/>
+          </a:xfrm>
+          <a:prstGeom prst="rect">
+            <a:avLst/>
+          </a:prstGeom>
+          <a:solidFill>
+            <a:srgbClr val="92D050"/>
+          </a:solidFill>
+          <a:ln>
+            <a:noFill/>
+          </a:ln>
+        </p:spPr>
+        <p:style>
+          <a:lnRef idx="2">
+            <a:schemeClr val="accent1">
+              <a:shade val="50000"/>
+            </a:schemeClr>
+          </a:lnRef>
+          <a:fillRef idx="1">
+            <a:schemeClr val="accent1"/>
+          </a:fillRef>
+          <a:effectRef idx="0">
+            <a:schemeClr val="accent1"/>
+          </a:effectRef>
+          <a:fontRef idx="minor">
+            <a:schemeClr val="lt1"/>
+          </a:fontRef>
+        </p:style>
+        <p:txBody>
+          <a:bodyPr rtlCol="0" anchor="ctr"/>
+          <a:lstStyle/>
+          <a:p>
+            <a:pPr algn="ctr"/>
+            <a:endParaRPr lang="en-IN" dirty="0"/>
+          </a:p>
+        </p:txBody>
+      </p:sp>
+      <p:sp>
+        <p:nvSpPr>
+          <p:cNvPr id="18" name="Oval 17">
+            <a:extLst>
+              <a:ext uri="{FF2B5EF4-FFF2-40B4-BE49-F238E27FC236}">
+                <a16:creationId xmlns:a16="http://schemas.microsoft.com/office/drawing/2014/main" id="{E4049C5C-397E-4827-884D-5BD204F5460A}"/>
+              </a:ext>
+            </a:extLst>
+          </p:cNvPr>
+          <p:cNvSpPr/>
+          <p:nvPr/>
+        </p:nvSpPr>
+        <p:spPr>
+          <a:xfrm>
+            <a:off x="2663062" y="2681925"/>
+            <a:ext cx="160255" cy="160256"/>
+          </a:xfrm>
+          <a:prstGeom prst="ellipse">
+            <a:avLst/>
+          </a:prstGeom>
+          <a:solidFill>
+            <a:schemeClr val="tx1"/>
+          </a:solidFill>
+        </p:spPr>
+        <p:style>
+          <a:lnRef idx="2">
+            <a:schemeClr val="accent1">
+              <a:shade val="50000"/>
+            </a:schemeClr>
+          </a:lnRef>
+          <a:fillRef idx="1">
+            <a:schemeClr val="accent1"/>
+          </a:fillRef>
+          <a:effectRef idx="0">
+            <a:schemeClr val="accent1"/>
+          </a:effectRef>
+          <a:fontRef idx="minor">
+            <a:schemeClr val="lt1"/>
+          </a:fontRef>
+        </p:style>
+        <p:txBody>
+          <a:bodyPr rtlCol="0" anchor="ctr"/>
+          <a:lstStyle/>
+          <a:p>
+            <a:pPr algn="ctr"/>
+            <a:endParaRPr lang="en-IN"/>
+          </a:p>
+        </p:txBody>
+      </p:sp>
+      <p:sp>
+        <p:nvSpPr>
+          <p:cNvPr id="19" name="Oval 18">
+            <a:extLst>
+              <a:ext uri="{FF2B5EF4-FFF2-40B4-BE49-F238E27FC236}">
+                <a16:creationId xmlns:a16="http://schemas.microsoft.com/office/drawing/2014/main" id="{6762EBA9-B7B9-44DF-972C-3F04D7AB2AF6}"/>
+              </a:ext>
+            </a:extLst>
+          </p:cNvPr>
+          <p:cNvSpPr/>
+          <p:nvPr/>
+        </p:nvSpPr>
+        <p:spPr>
+          <a:xfrm>
+            <a:off x="2665423" y="3348870"/>
+            <a:ext cx="160255" cy="160256"/>
+          </a:xfrm>
+          <a:prstGeom prst="ellipse">
+            <a:avLst/>
+          </a:prstGeom>
+          <a:solidFill>
+            <a:srgbClr val="FFC000"/>
+          </a:solidFill>
+        </p:spPr>
+        <p:style>
+          <a:lnRef idx="2">
+            <a:schemeClr val="accent1">
+              <a:shade val="50000"/>
+            </a:schemeClr>
+          </a:lnRef>
+          <a:fillRef idx="1">
+            <a:schemeClr val="accent1"/>
+          </a:fillRef>
+          <a:effectRef idx="0">
+            <a:schemeClr val="accent1"/>
+          </a:effectRef>
+          <a:fontRef idx="minor">
+            <a:schemeClr val="lt1"/>
+          </a:fontRef>
+        </p:style>
+        <p:txBody>
+          <a:bodyPr rtlCol="0" anchor="ctr"/>
+          <a:lstStyle/>
+          <a:p>
+            <a:pPr algn="ctr"/>
+            <a:endParaRPr lang="en-IN"/>
+          </a:p>
+        </p:txBody>
+      </p:sp>
+      <p:sp>
+        <p:nvSpPr>
+          <p:cNvPr id="20" name="Oval 19">
+            <a:extLst>
+              <a:ext uri="{FF2B5EF4-FFF2-40B4-BE49-F238E27FC236}">
+                <a16:creationId xmlns:a16="http://schemas.microsoft.com/office/drawing/2014/main" id="{0A5C3BB4-D3DD-4C33-8C2E-2971E1E0A9E8}"/>
+              </a:ext>
+            </a:extLst>
+          </p:cNvPr>
+          <p:cNvSpPr/>
+          <p:nvPr/>
+        </p:nvSpPr>
+        <p:spPr>
+          <a:xfrm>
+            <a:off x="3991021" y="2681925"/>
+            <a:ext cx="160255" cy="160256"/>
+          </a:xfrm>
+          <a:prstGeom prst="ellipse">
+            <a:avLst/>
+          </a:prstGeom>
+          <a:solidFill>
+            <a:srgbClr val="FF0000"/>
+          </a:solidFill>
+        </p:spPr>
+        <p:style>
+          <a:lnRef idx="2">
+            <a:schemeClr val="accent1">
+              <a:shade val="50000"/>
+            </a:schemeClr>
+          </a:lnRef>
+          <a:fillRef idx="1">
+            <a:schemeClr val="accent1"/>
+          </a:fillRef>
+          <a:effectRef idx="0">
+            <a:schemeClr val="accent1"/>
+          </a:effectRef>
+          <a:fontRef idx="minor">
+            <a:schemeClr val="lt1"/>
+          </a:fontRef>
+        </p:style>
+        <p:txBody>
+          <a:bodyPr rtlCol="0" anchor="ctr"/>
+          <a:lstStyle/>
+          <a:p>
+            <a:pPr algn="ctr"/>
+            <a:endParaRPr lang="en-IN"/>
+          </a:p>
+        </p:txBody>
+      </p:sp>
+      <mc:AlternateContent xmlns:mc="http://schemas.openxmlformats.org/markup-compatibility/2006" xmlns:a14="http://schemas.microsoft.com/office/drawing/2010/main">
+        <mc:Choice Requires="a14">
+          <p:sp>
+            <p:nvSpPr>
+              <p:cNvPr id="21" name="TextBox 20">
+                <a:extLst>
+                  <a:ext uri="{FF2B5EF4-FFF2-40B4-BE49-F238E27FC236}">
+                    <a16:creationId xmlns:a16="http://schemas.microsoft.com/office/drawing/2014/main" id="{4FB87EE9-7295-4C92-A658-804823A7F59C}"/>
+                  </a:ext>
+                </a:extLst>
+              </p:cNvPr>
+              <p:cNvSpPr txBox="1"/>
+              <p:nvPr/>
+            </p:nvSpPr>
+            <p:spPr>
+              <a:xfrm>
+                <a:off x="1669013" y="3744474"/>
+                <a:ext cx="643379" cy="400110"/>
+              </a:xfrm>
+              <a:prstGeom prst="rect">
+                <a:avLst/>
+              </a:prstGeom>
+              <a:noFill/>
+            </p:spPr>
+            <p:txBody>
+              <a:bodyPr wrap="square" rtlCol="0">
+                <a:spAutoFit/>
+              </a:bodyPr>
+              <a:lstStyle/>
+              <a:p>
+                <a:pPr/>
+                <a14:m>
+                  <m:oMathPara xmlns:m="http://schemas.openxmlformats.org/officeDocument/2006/math">
+                    <m:oMathParaPr>
+                      <m:jc m:val="centerGroup"/>
+                    </m:oMathParaPr>
+                    <m:oMath xmlns:m="http://schemas.openxmlformats.org/officeDocument/2006/math">
+                      <m:r>
+                        <a:rPr lang="en-US" sz="2000" b="1" i="1" smtClean="0">
+                          <a:latin typeface="Cambria Math" panose="02040503050406030204" pitchFamily="18" charset="0"/>
+                        </a:rPr>
+                        <m:t>𝑪</m:t>
+                      </m:r>
+                      <m:sSub>
+                        <m:sSubPr>
+                          <m:ctrlPr>
+                            <a:rPr lang="en-US" sz="2000" b="1" i="1" smtClean="0">
+                              <a:latin typeface="Cambria Math" panose="02040503050406030204" pitchFamily="18" charset="0"/>
+                            </a:rPr>
+                          </m:ctrlPr>
+                        </m:sSubPr>
+                        <m:e>
+                          <m:r>
+                            <a:rPr lang="en-US" sz="2000" b="1" i="1" smtClean="0">
+                              <a:latin typeface="Cambria Math" panose="02040503050406030204" pitchFamily="18" charset="0"/>
+                            </a:rPr>
+                            <m:t>𝑪</m:t>
+                          </m:r>
+                        </m:e>
+                        <m:sub>
+                          <m:r>
+                            <a:rPr lang="en-US" sz="2000" b="1" i="1" smtClean="0">
+                              <a:latin typeface="Cambria Math" panose="02040503050406030204" pitchFamily="18" charset="0"/>
+                            </a:rPr>
+                            <m:t>𝒊</m:t>
+                          </m:r>
+                        </m:sub>
+                      </m:sSub>
+                    </m:oMath>
+                  </m:oMathPara>
+                </a14:m>
+                <a:endParaRPr lang="en-IN" sz="2000" b="1" dirty="0"/>
+              </a:p>
+            </p:txBody>
+          </p:sp>
+        </mc:Choice>
+        <mc:Fallback xmlns="">
+          <p:sp>
+            <p:nvSpPr>
+              <p:cNvPr id="21" name="TextBox 20">
+                <a:extLst>
+                  <a:ext uri="{FF2B5EF4-FFF2-40B4-BE49-F238E27FC236}">
+                    <a16:creationId xmlns:a16="http://schemas.microsoft.com/office/drawing/2014/main" id="{4FB87EE9-7295-4C92-A658-804823A7F59C}"/>
+                  </a:ext>
+                </a:extLst>
+              </p:cNvPr>
+              <p:cNvSpPr txBox="1">
+                <a:spLocks noRot="1" noChangeAspect="1" noMove="1" noResize="1" noEditPoints="1" noAdjustHandles="1" noChangeArrowheads="1" noChangeShapeType="1" noTextEdit="1"/>
+              </p:cNvSpPr>
+              <p:nvPr/>
+            </p:nvSpPr>
+            <p:spPr>
+              <a:xfrm>
+                <a:off x="1669013" y="3744474"/>
+                <a:ext cx="643379" cy="400110"/>
+              </a:xfrm>
+              <a:prstGeom prst="rect">
+                <a:avLst/>
+              </a:prstGeom>
+              <a:blipFill>
+                <a:blip r:embed="rId2"/>
+                <a:stretch>
+                  <a:fillRect b="-1515"/>
+                </a:stretch>
+              </a:blipFill>
+            </p:spPr>
+            <p:txBody>
+              <a:bodyPr/>
+              <a:lstStyle/>
+              <a:p>
+                <a:r>
+                  <a:rPr lang="en-IN">
+                    <a:noFill/>
+                  </a:rPr>
+                  <a:t> </a:t>
+                </a:r>
+              </a:p>
+            </p:txBody>
+          </p:sp>
+        </mc:Fallback>
+      </mc:AlternateContent>
+      <p:sp>
+        <p:nvSpPr>
+          <p:cNvPr id="25" name="Arrow: Right 24">
+            <a:extLst>
+              <a:ext uri="{FF2B5EF4-FFF2-40B4-BE49-F238E27FC236}">
+                <a16:creationId xmlns:a16="http://schemas.microsoft.com/office/drawing/2014/main" id="{2217EDF5-9FB1-4409-9C80-C7F3B193AF16}"/>
+              </a:ext>
+            </a:extLst>
+          </p:cNvPr>
+          <p:cNvSpPr/>
+          <p:nvPr/>
+        </p:nvSpPr>
+        <p:spPr>
+          <a:xfrm flipV="1">
+            <a:off x="2312396" y="3872530"/>
+            <a:ext cx="640548" cy="143998"/>
+          </a:xfrm>
+          <a:prstGeom prst="rightArrow">
+            <a:avLst/>
+          </a:prstGeom>
+        </p:spPr>
+        <p:style>
+          <a:lnRef idx="2">
+            <a:schemeClr val="accent1">
+              <a:shade val="50000"/>
+            </a:schemeClr>
+          </a:lnRef>
+          <a:fillRef idx="1">
+            <a:schemeClr val="accent1"/>
+          </a:fillRef>
+          <a:effectRef idx="0">
+            <a:schemeClr val="accent1"/>
+          </a:effectRef>
+          <a:fontRef idx="minor">
+            <a:schemeClr val="lt1"/>
+          </a:fontRef>
+        </p:style>
+        <p:txBody>
+          <a:bodyPr rtlCol="0" anchor="ctr"/>
+          <a:lstStyle/>
+          <a:p>
+            <a:pPr algn="ctr"/>
+            <a:endParaRPr lang="en-IN"/>
+          </a:p>
+        </p:txBody>
+      </p:sp>
+      <p:sp>
+        <p:nvSpPr>
+          <p:cNvPr id="31" name="Arrow: Right 30">
+            <a:extLst>
+              <a:ext uri="{FF2B5EF4-FFF2-40B4-BE49-F238E27FC236}">
+                <a16:creationId xmlns:a16="http://schemas.microsoft.com/office/drawing/2014/main" id="{0593C101-5BC7-4DE4-AA6A-BFD7031142A5}"/>
+              </a:ext>
+            </a:extLst>
+          </p:cNvPr>
+          <p:cNvSpPr/>
+          <p:nvPr/>
+        </p:nvSpPr>
+        <p:spPr>
+          <a:xfrm rot="10800000" flipV="1">
+            <a:off x="2825680" y="842310"/>
+            <a:ext cx="640548" cy="143998"/>
+          </a:xfrm>
+          <a:prstGeom prst="rightArrow">
+            <a:avLst/>
+          </a:prstGeom>
+        </p:spPr>
+        <p:style>
+          <a:lnRef idx="2">
+            <a:schemeClr val="accent1">
+              <a:shade val="50000"/>
+            </a:schemeClr>
+          </a:lnRef>
+          <a:fillRef idx="1">
+            <a:schemeClr val="accent1"/>
+          </a:fillRef>
+          <a:effectRef idx="0">
+            <a:schemeClr val="accent1"/>
+          </a:effectRef>
+          <a:fontRef idx="minor">
+            <a:schemeClr val="lt1"/>
+          </a:fontRef>
+        </p:style>
+        <p:txBody>
+          <a:bodyPr rtlCol="0" anchor="ctr"/>
+          <a:lstStyle/>
+          <a:p>
+            <a:pPr algn="ctr"/>
+            <a:endParaRPr lang="en-IN"/>
+          </a:p>
+        </p:txBody>
+      </p:sp>
+      <p:sp>
+        <p:nvSpPr>
+          <p:cNvPr id="32" name="Arrow: Right 31">
+            <a:extLst>
+              <a:ext uri="{FF2B5EF4-FFF2-40B4-BE49-F238E27FC236}">
+                <a16:creationId xmlns:a16="http://schemas.microsoft.com/office/drawing/2014/main" id="{387CF807-9725-4566-B6D8-7047451FB9C5}"/>
+              </a:ext>
+            </a:extLst>
+          </p:cNvPr>
+          <p:cNvSpPr/>
+          <p:nvPr/>
+        </p:nvSpPr>
+        <p:spPr>
+          <a:xfrm rot="16200000" flipV="1">
+            <a:off x="1630131" y="3285002"/>
+            <a:ext cx="640548" cy="143998"/>
+          </a:xfrm>
+          <a:prstGeom prst="rightArrow">
+            <a:avLst/>
+          </a:prstGeom>
+        </p:spPr>
+        <p:style>
+          <a:lnRef idx="2">
+            <a:schemeClr val="accent1">
+              <a:shade val="50000"/>
+            </a:schemeClr>
+          </a:lnRef>
+          <a:fillRef idx="1">
+            <a:schemeClr val="accent1"/>
+          </a:fillRef>
+          <a:effectRef idx="0">
+            <a:schemeClr val="accent1"/>
+          </a:effectRef>
+          <a:fontRef idx="minor">
+            <a:schemeClr val="lt1"/>
+          </a:fontRef>
+        </p:style>
+        <p:txBody>
+          <a:bodyPr rtlCol="0" anchor="ctr"/>
+          <a:lstStyle/>
+          <a:p>
+            <a:pPr algn="ctr"/>
+            <a:endParaRPr lang="en-IN"/>
+          </a:p>
+        </p:txBody>
+      </p:sp>
+      <mc:AlternateContent xmlns:mc="http://schemas.openxmlformats.org/markup-compatibility/2006" xmlns:a14="http://schemas.microsoft.com/office/drawing/2010/main">
+        <mc:Choice Requires="a14">
+          <p:sp>
+            <p:nvSpPr>
+              <p:cNvPr id="22" name="TextBox 21">
+                <a:extLst>
+                  <a:ext uri="{FF2B5EF4-FFF2-40B4-BE49-F238E27FC236}">
+                    <a16:creationId xmlns:a16="http://schemas.microsoft.com/office/drawing/2014/main" id="{3DD46782-CE44-4A07-AB39-918CBAD19968}"/>
+                  </a:ext>
+                </a:extLst>
+              </p:cNvPr>
+              <p:cNvSpPr txBox="1"/>
+              <p:nvPr/>
+            </p:nvSpPr>
+            <p:spPr>
+              <a:xfrm>
+                <a:off x="3338334" y="654185"/>
+                <a:ext cx="3468850" cy="461665"/>
+              </a:xfrm>
+              <a:prstGeom prst="rect">
+                <a:avLst/>
+              </a:prstGeom>
+              <a:noFill/>
+            </p:spPr>
+            <p:txBody>
+              <a:bodyPr wrap="square" rtlCol="0">
+                <a:spAutoFit/>
+              </a:bodyPr>
+              <a:lstStyle/>
+              <a:p>
+                <a:pPr/>
+                <a14:m>
+                  <m:oMathPara xmlns:m="http://schemas.openxmlformats.org/officeDocument/2006/math">
+                    <m:oMathParaPr>
+                      <m:jc m:val="centerGroup"/>
+                    </m:oMathParaPr>
+                    <m:oMath xmlns:m="http://schemas.openxmlformats.org/officeDocument/2006/math">
+                      <m:sSub>
+                        <m:sSubPr>
+                          <m:ctrlPr>
+                            <a:rPr lang="en-US" sz="2400" b="1" i="1" smtClean="0">
+                              <a:latin typeface="Cambria Math" panose="02040503050406030204" pitchFamily="18" charset="0"/>
+                            </a:rPr>
+                          </m:ctrlPr>
+                        </m:sSubPr>
+                        <m:e>
+                          <m:r>
+                            <a:rPr lang="en-US" sz="2400" b="1" i="1" smtClean="0">
+                              <a:latin typeface="Cambria Math" panose="02040503050406030204" pitchFamily="18" charset="0"/>
+                            </a:rPr>
+                            <m:t>𝑪</m:t>
+                          </m:r>
+                        </m:e>
+                        <m:sub>
+                          <m:r>
+                            <a:rPr lang="en-US" sz="2400" b="1" i="1" smtClean="0">
+                              <a:latin typeface="Cambria Math" panose="02040503050406030204" pitchFamily="18" charset="0"/>
+                            </a:rPr>
+                            <m:t>𝒌</m:t>
+                          </m:r>
+                        </m:sub>
+                      </m:sSub>
+                      <m:r>
+                        <a:rPr lang="en-US" sz="2400" b="1" i="1" smtClean="0">
+                          <a:latin typeface="Cambria Math" panose="02040503050406030204" pitchFamily="18" charset="0"/>
+                        </a:rPr>
+                        <m:t>≤</m:t>
+                      </m:r>
+                      <m:r>
+                        <a:rPr lang="en-US" sz="2400" b="1" i="1" smtClean="0">
+                          <a:latin typeface="Cambria Math" panose="02040503050406030204" pitchFamily="18" charset="0"/>
+                        </a:rPr>
+                        <m:t>𝑪</m:t>
+                      </m:r>
+                      <m:sSub>
+                        <m:sSubPr>
+                          <m:ctrlPr>
+                            <a:rPr lang="en-US" sz="2400" b="1" i="1">
+                              <a:latin typeface="Cambria Math" panose="02040503050406030204" pitchFamily="18" charset="0"/>
+                            </a:rPr>
+                          </m:ctrlPr>
+                        </m:sSubPr>
+                        <m:e>
+                          <m:r>
+                            <a:rPr lang="en-US" sz="2400" b="1" i="1">
+                              <a:latin typeface="Cambria Math" panose="02040503050406030204" pitchFamily="18" charset="0"/>
+                            </a:rPr>
+                            <m:t>𝑪</m:t>
+                          </m:r>
+                        </m:e>
+                        <m:sub>
+                          <m:r>
+                            <a:rPr lang="en-US" sz="2400" b="1" i="1">
+                              <a:latin typeface="Cambria Math" panose="02040503050406030204" pitchFamily="18" charset="0"/>
+                            </a:rPr>
+                            <m:t>𝒊</m:t>
+                          </m:r>
+                        </m:sub>
+                      </m:sSub>
+                      <m:r>
+                        <a:rPr lang="en-US" sz="2400" b="1" i="1">
+                          <a:latin typeface="Cambria Math" panose="02040503050406030204" pitchFamily="18" charset="0"/>
+                        </a:rPr>
+                        <m:t> </m:t>
+                      </m:r>
+                      <m:r>
+                        <a:rPr lang="en-US" sz="2400" b="1" i="1" smtClean="0">
+                          <a:latin typeface="Cambria Math" panose="02040503050406030204" pitchFamily="18" charset="0"/>
+                        </a:rPr>
+                        <m:t>∗</m:t>
+                      </m:r>
+                      <m:sSub>
+                        <m:sSubPr>
+                          <m:ctrlPr>
+                            <a:rPr lang="en-US" sz="2400" b="1" i="1" smtClean="0">
+                              <a:latin typeface="Cambria Math" panose="02040503050406030204" pitchFamily="18" charset="0"/>
+                            </a:rPr>
+                          </m:ctrlPr>
+                        </m:sSubPr>
+                        <m:e>
+                          <m:r>
+                            <a:rPr lang="en-US" sz="2400" b="1" i="1" smtClean="0">
+                              <a:latin typeface="Cambria Math" panose="02040503050406030204" pitchFamily="18" charset="0"/>
+                            </a:rPr>
+                            <m:t>𝒓</m:t>
+                          </m:r>
+                        </m:e>
+                        <m:sub>
+                          <m:r>
+                            <a:rPr lang="en-US" sz="2400" b="1" i="1" smtClean="0">
+                              <a:latin typeface="Cambria Math" panose="02040503050406030204" pitchFamily="18" charset="0"/>
+                            </a:rPr>
+                            <m:t>𝒔𝒆𝒍</m:t>
+                          </m:r>
+                        </m:sub>
+                      </m:sSub>
+                      <m:r>
+                        <a:rPr lang="en-US" sz="2400" b="1" i="1" smtClean="0">
+                          <a:latin typeface="Cambria Math" panose="02040503050406030204" pitchFamily="18" charset="0"/>
+                        </a:rPr>
+                        <m:t>∗</m:t>
+                      </m:r>
+                      <m:sSub>
+                        <m:sSubPr>
+                          <m:ctrlPr>
+                            <a:rPr lang="en-US" sz="2400" b="1" i="1" smtClean="0">
+                              <a:latin typeface="Cambria Math" panose="02040503050406030204" pitchFamily="18" charset="0"/>
+                            </a:rPr>
+                          </m:ctrlPr>
+                        </m:sSubPr>
+                        <m:e>
+                          <m:r>
+                            <a:rPr lang="en-US" sz="2400" b="1" i="1" smtClean="0">
+                              <a:latin typeface="Cambria Math" panose="02040503050406030204" pitchFamily="18" charset="0"/>
+                            </a:rPr>
+                            <m:t>𝜷</m:t>
+                          </m:r>
+                        </m:e>
+                        <m:sub>
+                          <m:r>
+                            <a:rPr lang="en-US" sz="2400" b="1" i="1" smtClean="0">
+                              <a:latin typeface="Cambria Math" panose="02040503050406030204" pitchFamily="18" charset="0"/>
+                            </a:rPr>
+                            <m:t>𝒎𝒂𝒙</m:t>
+                          </m:r>
+                        </m:sub>
+                      </m:sSub>
+                    </m:oMath>
+                  </m:oMathPara>
+                </a14:m>
+                <a:endParaRPr lang="en-IN" sz="2400" b="1" dirty="0"/>
+              </a:p>
+            </p:txBody>
+          </p:sp>
+        </mc:Choice>
+        <mc:Fallback xmlns="">
+          <p:sp>
+            <p:nvSpPr>
+              <p:cNvPr id="22" name="TextBox 21">
+                <a:extLst>
+                  <a:ext uri="{FF2B5EF4-FFF2-40B4-BE49-F238E27FC236}">
+                    <a16:creationId xmlns:a16="http://schemas.microsoft.com/office/drawing/2014/main" id="{3DD46782-CE44-4A07-AB39-918CBAD19968}"/>
+                  </a:ext>
+                </a:extLst>
+              </p:cNvPr>
+              <p:cNvSpPr txBox="1">
+                <a:spLocks noRot="1" noChangeAspect="1" noMove="1" noResize="1" noEditPoints="1" noAdjustHandles="1" noChangeArrowheads="1" noChangeShapeType="1" noTextEdit="1"/>
+              </p:cNvSpPr>
+              <p:nvPr/>
+            </p:nvSpPr>
+            <p:spPr>
+              <a:xfrm>
+                <a:off x="3338334" y="654185"/>
+                <a:ext cx="3468850" cy="461665"/>
+              </a:xfrm>
+              <a:prstGeom prst="rect">
+                <a:avLst/>
+              </a:prstGeom>
+              <a:blipFill>
+                <a:blip r:embed="rId3"/>
+                <a:stretch>
+                  <a:fillRect b="-17105"/>
+                </a:stretch>
+              </a:blipFill>
+            </p:spPr>
+            <p:txBody>
+              <a:bodyPr/>
+              <a:lstStyle/>
+              <a:p>
+                <a:r>
+                  <a:rPr lang="en-IN">
+                    <a:noFill/>
+                  </a:rPr>
+                  <a:t> </a:t>
+                </a:r>
+              </a:p>
+            </p:txBody>
+          </p:sp>
+        </mc:Fallback>
+      </mc:AlternateContent>
+      <p:sp>
+        <p:nvSpPr>
+          <p:cNvPr id="43" name="Oval 42">
+            <a:extLst>
+              <a:ext uri="{FF2B5EF4-FFF2-40B4-BE49-F238E27FC236}">
+                <a16:creationId xmlns:a16="http://schemas.microsoft.com/office/drawing/2014/main" id="{01999C91-385C-4479-9BCB-ADA32628B746}"/>
+              </a:ext>
+            </a:extLst>
+          </p:cNvPr>
+          <p:cNvSpPr/>
+          <p:nvPr/>
+        </p:nvSpPr>
+        <p:spPr>
+          <a:xfrm>
+            <a:off x="2657361" y="2124384"/>
+            <a:ext cx="160255" cy="160256"/>
+          </a:xfrm>
+          <a:prstGeom prst="ellipse">
+            <a:avLst/>
+          </a:prstGeom>
+          <a:solidFill>
+            <a:schemeClr val="tx1"/>
+          </a:solidFill>
+        </p:spPr>
+        <p:style>
+          <a:lnRef idx="2">
+            <a:schemeClr val="accent1">
+              <a:shade val="50000"/>
+            </a:schemeClr>
+          </a:lnRef>
+          <a:fillRef idx="1">
+            <a:schemeClr val="accent1"/>
+          </a:fillRef>
+          <a:effectRef idx="0">
+            <a:schemeClr val="accent1"/>
+          </a:effectRef>
+          <a:fontRef idx="minor">
+            <a:schemeClr val="lt1"/>
+          </a:fontRef>
+        </p:style>
+        <p:txBody>
+          <a:bodyPr rtlCol="0" anchor="ctr"/>
+          <a:lstStyle/>
+          <a:p>
+            <a:pPr algn="ctr"/>
+            <a:endParaRPr lang="en-IN"/>
+          </a:p>
+        </p:txBody>
+      </p:sp>
+      <p:sp>
+        <p:nvSpPr>
+          <p:cNvPr id="44" name="Oval 43">
+            <a:extLst>
+              <a:ext uri="{FF2B5EF4-FFF2-40B4-BE49-F238E27FC236}">
+                <a16:creationId xmlns:a16="http://schemas.microsoft.com/office/drawing/2014/main" id="{A67D69A1-68E3-4D07-8EDD-C4EE641A9F2C}"/>
+              </a:ext>
+            </a:extLst>
+          </p:cNvPr>
+          <p:cNvSpPr/>
+          <p:nvPr/>
+        </p:nvSpPr>
+        <p:spPr>
+          <a:xfrm>
+            <a:off x="2657360" y="1505575"/>
+            <a:ext cx="160255" cy="160256"/>
+          </a:xfrm>
+          <a:prstGeom prst="ellipse">
+            <a:avLst/>
+          </a:prstGeom>
+          <a:solidFill>
+            <a:schemeClr val="tx1"/>
+          </a:solidFill>
+        </p:spPr>
+        <p:style>
+          <a:lnRef idx="2">
+            <a:schemeClr val="accent1">
+              <a:shade val="50000"/>
+            </a:schemeClr>
+          </a:lnRef>
+          <a:fillRef idx="1">
+            <a:schemeClr val="accent1"/>
+          </a:fillRef>
+          <a:effectRef idx="0">
+            <a:schemeClr val="accent1"/>
+          </a:effectRef>
+          <a:fontRef idx="minor">
+            <a:schemeClr val="lt1"/>
+          </a:fontRef>
+        </p:style>
+        <p:txBody>
+          <a:bodyPr rtlCol="0" anchor="ctr"/>
+          <a:lstStyle/>
+          <a:p>
+            <a:pPr algn="ctr"/>
+            <a:endParaRPr lang="en-IN"/>
+          </a:p>
+        </p:txBody>
+      </p:sp>
+      <p:sp>
+        <p:nvSpPr>
+          <p:cNvPr id="45" name="Oval 44">
+            <a:extLst>
+              <a:ext uri="{FF2B5EF4-FFF2-40B4-BE49-F238E27FC236}">
+                <a16:creationId xmlns:a16="http://schemas.microsoft.com/office/drawing/2014/main" id="{532D7F17-1F37-4659-91A2-E10BFADA7F76}"/>
+              </a:ext>
+            </a:extLst>
+          </p:cNvPr>
+          <p:cNvSpPr/>
+          <p:nvPr/>
+        </p:nvSpPr>
+        <p:spPr>
+          <a:xfrm>
+            <a:off x="2657359" y="955594"/>
+            <a:ext cx="160255" cy="160256"/>
+          </a:xfrm>
+          <a:prstGeom prst="ellipse">
+            <a:avLst/>
+          </a:prstGeom>
+          <a:solidFill>
+            <a:schemeClr val="tx1"/>
+          </a:solidFill>
+        </p:spPr>
+        <p:style>
+          <a:lnRef idx="2">
+            <a:schemeClr val="accent1">
+              <a:shade val="50000"/>
+            </a:schemeClr>
+          </a:lnRef>
+          <a:fillRef idx="1">
+            <a:schemeClr val="accent1"/>
+          </a:fillRef>
+          <a:effectRef idx="0">
+            <a:schemeClr val="accent1"/>
+          </a:effectRef>
+          <a:fontRef idx="minor">
+            <a:schemeClr val="lt1"/>
+          </a:fontRef>
+        </p:style>
+        <p:txBody>
+          <a:bodyPr rtlCol="0" anchor="ctr"/>
+          <a:lstStyle/>
+          <a:p>
+            <a:pPr algn="ctr"/>
+            <a:endParaRPr lang="en-IN"/>
+          </a:p>
+        </p:txBody>
+      </p:sp>
+      <p:sp>
+        <p:nvSpPr>
+          <p:cNvPr id="46" name="Oval 45">
+            <a:extLst>
+              <a:ext uri="{FF2B5EF4-FFF2-40B4-BE49-F238E27FC236}">
+                <a16:creationId xmlns:a16="http://schemas.microsoft.com/office/drawing/2014/main" id="{20CDF2E8-651A-4D3F-A3D9-B5E95BA2EFDE}"/>
+              </a:ext>
+            </a:extLst>
+          </p:cNvPr>
+          <p:cNvSpPr/>
+          <p:nvPr/>
+        </p:nvSpPr>
+        <p:spPr>
+          <a:xfrm>
+            <a:off x="2657358" y="403907"/>
+            <a:ext cx="160255" cy="160256"/>
+          </a:xfrm>
+          <a:prstGeom prst="ellipse">
+            <a:avLst/>
+          </a:prstGeom>
+          <a:solidFill>
+            <a:schemeClr val="tx1"/>
+          </a:solidFill>
+        </p:spPr>
+        <p:style>
+          <a:lnRef idx="2">
+            <a:schemeClr val="accent1">
+              <a:shade val="50000"/>
+            </a:schemeClr>
+          </a:lnRef>
+          <a:fillRef idx="1">
+            <a:schemeClr val="accent1"/>
+          </a:fillRef>
+          <a:effectRef idx="0">
+            <a:schemeClr val="accent1"/>
+          </a:effectRef>
+          <a:fontRef idx="minor">
+            <a:schemeClr val="lt1"/>
+          </a:fontRef>
+        </p:style>
+        <p:txBody>
+          <a:bodyPr rtlCol="0" anchor="ctr"/>
+          <a:lstStyle/>
+          <a:p>
+            <a:pPr algn="ctr"/>
+            <a:endParaRPr lang="en-IN"/>
+          </a:p>
+        </p:txBody>
+      </p:sp>
+      <p:sp>
+        <p:nvSpPr>
+          <p:cNvPr id="47" name="Oval 46">
+            <a:extLst>
+              <a:ext uri="{FF2B5EF4-FFF2-40B4-BE49-F238E27FC236}">
+                <a16:creationId xmlns:a16="http://schemas.microsoft.com/office/drawing/2014/main" id="{6DC59A0B-B695-4C4C-B82C-8942E774E832}"/>
+              </a:ext>
+            </a:extLst>
+          </p:cNvPr>
+          <p:cNvSpPr/>
+          <p:nvPr/>
+        </p:nvSpPr>
+        <p:spPr>
+          <a:xfrm>
+            <a:off x="3991021" y="3348872"/>
+            <a:ext cx="160255" cy="160256"/>
+          </a:xfrm>
+          <a:prstGeom prst="ellipse">
+            <a:avLst/>
+          </a:prstGeom>
+          <a:solidFill>
+            <a:srgbClr val="FF0000"/>
+          </a:solidFill>
+        </p:spPr>
+        <p:style>
+          <a:lnRef idx="2">
+            <a:schemeClr val="accent1">
+              <a:shade val="50000"/>
+            </a:schemeClr>
+          </a:lnRef>
+          <a:fillRef idx="1">
+            <a:schemeClr val="accent1"/>
+          </a:fillRef>
+          <a:effectRef idx="0">
+            <a:schemeClr val="accent1"/>
+          </a:effectRef>
+          <a:fontRef idx="minor">
+            <a:schemeClr val="lt1"/>
+          </a:fontRef>
+        </p:style>
+        <p:txBody>
+          <a:bodyPr rtlCol="0" anchor="ctr"/>
+          <a:lstStyle/>
+          <a:p>
+            <a:pPr algn="ctr"/>
+            <a:endParaRPr lang="en-IN"/>
+          </a:p>
+        </p:txBody>
+      </p:sp>
+      <p:sp>
+        <p:nvSpPr>
+          <p:cNvPr id="48" name="Oval 47">
+            <a:extLst>
+              <a:ext uri="{FF2B5EF4-FFF2-40B4-BE49-F238E27FC236}">
+                <a16:creationId xmlns:a16="http://schemas.microsoft.com/office/drawing/2014/main" id="{D677E4AD-8C99-40CD-989D-EB973A1F3CFE}"/>
+              </a:ext>
+            </a:extLst>
+          </p:cNvPr>
+          <p:cNvSpPr/>
+          <p:nvPr/>
+        </p:nvSpPr>
+        <p:spPr>
+          <a:xfrm>
+            <a:off x="3991021" y="4035823"/>
+            <a:ext cx="160255" cy="160256"/>
+          </a:xfrm>
+          <a:prstGeom prst="ellipse">
+            <a:avLst/>
+          </a:prstGeom>
+          <a:solidFill>
+            <a:srgbClr val="FF0000"/>
+          </a:solidFill>
+        </p:spPr>
+        <p:style>
+          <a:lnRef idx="2">
+            <a:schemeClr val="accent1">
+              <a:shade val="50000"/>
+            </a:schemeClr>
+          </a:lnRef>
+          <a:fillRef idx="1">
+            <a:schemeClr val="accent1"/>
+          </a:fillRef>
+          <a:effectRef idx="0">
+            <a:schemeClr val="accent1"/>
+          </a:effectRef>
+          <a:fontRef idx="minor">
+            <a:schemeClr val="lt1"/>
+          </a:fontRef>
+        </p:style>
+        <p:txBody>
+          <a:bodyPr rtlCol="0" anchor="ctr"/>
+          <a:lstStyle/>
+          <a:p>
+            <a:pPr algn="ctr"/>
+            <a:endParaRPr lang="en-IN"/>
+          </a:p>
+        </p:txBody>
+      </p:sp>
+      <p:sp>
+        <p:nvSpPr>
+          <p:cNvPr id="49" name="Oval 48">
+            <a:extLst>
+              <a:ext uri="{FF2B5EF4-FFF2-40B4-BE49-F238E27FC236}">
+                <a16:creationId xmlns:a16="http://schemas.microsoft.com/office/drawing/2014/main" id="{1C70A760-1698-4CC8-9660-211DF105D32E}"/>
+              </a:ext>
+            </a:extLst>
+          </p:cNvPr>
+          <p:cNvSpPr/>
+          <p:nvPr/>
+        </p:nvSpPr>
+        <p:spPr>
+          <a:xfrm>
+            <a:off x="3991021" y="4646537"/>
+            <a:ext cx="160255" cy="160256"/>
+          </a:xfrm>
+          <a:prstGeom prst="ellipse">
+            <a:avLst/>
+          </a:prstGeom>
+          <a:solidFill>
+            <a:srgbClr val="FF0000"/>
+          </a:solidFill>
+        </p:spPr>
+        <p:style>
+          <a:lnRef idx="2">
+            <a:schemeClr val="accent1">
+              <a:shade val="50000"/>
+            </a:schemeClr>
+          </a:lnRef>
+          <a:fillRef idx="1">
+            <a:schemeClr val="accent1"/>
+          </a:fillRef>
+          <a:effectRef idx="0">
+            <a:schemeClr val="accent1"/>
+          </a:effectRef>
+          <a:fontRef idx="minor">
+            <a:schemeClr val="lt1"/>
+          </a:fontRef>
+        </p:style>
+        <p:txBody>
+          <a:bodyPr rtlCol="0" anchor="ctr"/>
+          <a:lstStyle/>
+          <a:p>
+            <a:pPr algn="ctr"/>
+            <a:endParaRPr lang="en-IN"/>
+          </a:p>
+        </p:txBody>
+      </p:sp>
+      <p:sp>
+        <p:nvSpPr>
+          <p:cNvPr id="50" name="Oval 49">
+            <a:extLst>
+              <a:ext uri="{FF2B5EF4-FFF2-40B4-BE49-F238E27FC236}">
+                <a16:creationId xmlns:a16="http://schemas.microsoft.com/office/drawing/2014/main" id="{83EBFD67-A107-4BEC-990F-E42E72A8034A}"/>
+              </a:ext>
+            </a:extLst>
+          </p:cNvPr>
+          <p:cNvSpPr/>
+          <p:nvPr/>
+        </p:nvSpPr>
+        <p:spPr>
+          <a:xfrm>
+            <a:off x="3991021" y="5333488"/>
+            <a:ext cx="160255" cy="160256"/>
+          </a:xfrm>
+          <a:prstGeom prst="ellipse">
+            <a:avLst/>
+          </a:prstGeom>
+          <a:solidFill>
+            <a:srgbClr val="FF0000"/>
+          </a:solidFill>
+        </p:spPr>
+        <p:style>
+          <a:lnRef idx="2">
+            <a:schemeClr val="accent1">
+              <a:shade val="50000"/>
+            </a:schemeClr>
+          </a:lnRef>
+          <a:fillRef idx="1">
+            <a:schemeClr val="accent1"/>
+          </a:fillRef>
+          <a:effectRef idx="0">
+            <a:schemeClr val="accent1"/>
+          </a:effectRef>
+          <a:fontRef idx="minor">
+            <a:schemeClr val="lt1"/>
+          </a:fontRef>
+        </p:style>
+        <p:txBody>
+          <a:bodyPr rtlCol="0" anchor="ctr"/>
+          <a:lstStyle/>
+          <a:p>
+            <a:pPr algn="ctr"/>
+            <a:endParaRPr lang="en-IN"/>
+          </a:p>
+        </p:txBody>
+      </p:sp>
+      <p:graphicFrame>
+        <p:nvGraphicFramePr>
+          <p:cNvPr id="11" name="Table 11">
+            <a:extLst>
+              <a:ext uri="{FF2B5EF4-FFF2-40B4-BE49-F238E27FC236}">
+                <a16:creationId xmlns:a16="http://schemas.microsoft.com/office/drawing/2014/main" id="{1D92DDA6-DA77-415D-8DC2-0919DBBA3A6D}"/>
+              </a:ext>
+            </a:extLst>
+          </p:cNvPr>
+          <p:cNvGraphicFramePr>
+            <a:graphicFrameLocks noGrp="1"/>
+          </p:cNvGraphicFramePr>
+          <p:nvPr>
+            <p:extLst>
+              <p:ext uri="{D42A27DB-BD31-4B8C-83A1-F6EECF244321}">
+                <p14:modId xmlns:p14="http://schemas.microsoft.com/office/powerpoint/2010/main" val="2199595155"/>
+              </p:ext>
+            </p:extLst>
+          </p:nvPr>
+        </p:nvGraphicFramePr>
+        <p:xfrm>
+          <a:off x="1628716" y="385559"/>
+          <a:ext cx="5178468" cy="5199824"/>
+        </p:xfrm>
+        <a:graphic>
+          <a:graphicData uri="http://schemas.openxmlformats.org/drawingml/2006/table">
+            <a:tbl>
+              <a:tblPr firstRow="1">
+                <a:tableStyleId>{5C22544A-7EE6-4342-B048-85BDC9FD1C3A}</a:tableStyleId>
+              </a:tblPr>
+              <a:tblGrid>
+                <a:gridCol w="1294617">
+                  <a:extLst>
+                    <a:ext uri="{9D8B030D-6E8A-4147-A177-3AD203B41FA5}">
+                      <a16:colId xmlns:a16="http://schemas.microsoft.com/office/drawing/2014/main" val="3524472841"/>
+                    </a:ext>
+                  </a:extLst>
+                </a:gridCol>
+                <a:gridCol w="1294617">
+                  <a:extLst>
+                    <a:ext uri="{9D8B030D-6E8A-4147-A177-3AD203B41FA5}">
+                      <a16:colId xmlns:a16="http://schemas.microsoft.com/office/drawing/2014/main" val="2873968164"/>
+                    </a:ext>
+                  </a:extLst>
+                </a:gridCol>
+                <a:gridCol w="1294617">
+                  <a:extLst>
+                    <a:ext uri="{9D8B030D-6E8A-4147-A177-3AD203B41FA5}">
+                      <a16:colId xmlns:a16="http://schemas.microsoft.com/office/drawing/2014/main" val="2033420955"/>
+                    </a:ext>
+                  </a:extLst>
+                </a:gridCol>
+                <a:gridCol w="1294617">
+                  <a:extLst>
+                    <a:ext uri="{9D8B030D-6E8A-4147-A177-3AD203B41FA5}">
+                      <a16:colId xmlns:a16="http://schemas.microsoft.com/office/drawing/2014/main" val="442246851"/>
+                    </a:ext>
+                  </a:extLst>
+                </a:gridCol>
+              </a:tblGrid>
+              <a:tr h="1299956">
+                <a:tc>
+                  <a:txBody>
+                    <a:bodyPr/>
+                    <a:lstStyle/>
+                    <a:p>
+                      <a:endParaRPr lang="en-IN" dirty="0"/>
+                    </a:p>
+                  </a:txBody>
+                  <a:tcPr>
+                    <a:lnL w="12700" cap="flat" cmpd="sng" algn="ctr">
+                      <a:solidFill>
+                        <a:schemeClr val="tx1"/>
+                      </a:solidFill>
+                      <a:prstDash val="solid"/>
+                      <a:round/>
+                      <a:headEnd type="none" w="med" len="med"/>
+                      <a:tailEnd type="none" w="med" len="med"/>
+                    </a:lnL>
+                    <a:lnR w="12700" cap="flat" cmpd="sng" algn="ctr">
+                      <a:noFill/>
+                      <a:prstDash val="solid"/>
+                      <a:round/>
+                      <a:headEnd type="none" w="med" len="med"/>
+                      <a:tailEnd type="none" w="med" len="med"/>
+                    </a:lnR>
+                    <a:lnT w="12700" cap="flat" cmpd="sng" algn="ctr">
+                      <a:solidFill>
+                        <a:schemeClr val="tx1"/>
+                      </a:solidFill>
+                      <a:prstDash val="solid"/>
+                      <a:round/>
+                      <a:headEnd type="none" w="med" len="med"/>
+                      <a:tailEnd type="none" w="med" len="med"/>
+                    </a:lnT>
+                    <a:lnB w="12700" cap="flat" cmpd="sng" algn="ctr">
+                      <a:noFill/>
+                      <a:prstDash val="solid"/>
+                      <a:round/>
+                      <a:headEnd type="none" w="med" len="med"/>
+                      <a:tailEnd type="none" w="med" len="med"/>
+                    </a:lnB>
+                    <a:lnTlToBr w="12700" cmpd="sng">
+                      <a:noFill/>
+                      <a:prstDash val="solid"/>
+                    </a:lnTlToBr>
+                    <a:lnBlToTr w="12700" cmpd="sng">
+                      <a:noFill/>
+                      <a:prstDash val="solid"/>
+                    </a:lnBlToTr>
+                    <a:noFill/>
+                  </a:tcPr>
+                </a:tc>
+                <a:tc>
+                  <a:txBody>
+                    <a:bodyPr/>
+                    <a:lstStyle/>
+                    <a:p>
+                      <a:endParaRPr lang="en-IN" dirty="0"/>
+                    </a:p>
+                  </a:txBody>
+                  <a:tcPr>
+                    <a:lnL w="12700" cap="flat" cmpd="sng" algn="ctr">
+                      <a:noFill/>
+                      <a:prstDash val="solid"/>
+                      <a:round/>
+                      <a:headEnd type="none" w="med" len="med"/>
+                      <a:tailEnd type="none" w="med" len="med"/>
+                    </a:lnL>
+                    <a:lnR w="12700" cap="flat" cmpd="sng" algn="ctr">
+                      <a:noFill/>
+                      <a:prstDash val="solid"/>
+                      <a:round/>
+                      <a:headEnd type="none" w="med" len="med"/>
+                      <a:tailEnd type="none" w="med" len="med"/>
+                    </a:lnR>
+                    <a:lnT w="12700" cap="flat" cmpd="sng" algn="ctr">
+                      <a:solidFill>
+                        <a:schemeClr val="tx1"/>
+                      </a:solidFill>
+                      <a:prstDash val="solid"/>
+                      <a:round/>
+                      <a:headEnd type="none" w="med" len="med"/>
+                      <a:tailEnd type="none" w="med" len="med"/>
+                    </a:lnT>
+                    <a:lnB w="12700" cap="flat" cmpd="sng" algn="ctr">
+                      <a:noFill/>
+                      <a:prstDash val="solid"/>
+                      <a:round/>
+                      <a:headEnd type="none" w="med" len="med"/>
+                      <a:tailEnd type="none" w="med" len="med"/>
+                    </a:lnB>
+                    <a:lnTlToBr w="12700" cmpd="sng">
+                      <a:noFill/>
+                      <a:prstDash val="solid"/>
+                    </a:lnTlToBr>
+                    <a:lnBlToTr w="12700" cmpd="sng">
+                      <a:noFill/>
+                      <a:prstDash val="solid"/>
+                    </a:lnBlToTr>
+                    <a:noFill/>
+                  </a:tcPr>
+                </a:tc>
+                <a:tc>
+                  <a:txBody>
+                    <a:bodyPr/>
+                    <a:lstStyle/>
+                    <a:p>
+                      <a:endParaRPr lang="en-IN" dirty="0"/>
+                    </a:p>
+                  </a:txBody>
+                  <a:tcPr>
+                    <a:lnL w="12700" cap="flat" cmpd="sng" algn="ctr">
+                      <a:noFill/>
+                      <a:prstDash val="solid"/>
+                      <a:round/>
+                      <a:headEnd type="none" w="med" len="med"/>
+                      <a:tailEnd type="none" w="med" len="med"/>
+                    </a:lnL>
+                    <a:lnR w="12700" cap="flat" cmpd="sng" algn="ctr">
+                      <a:noFill/>
+                      <a:prstDash val="solid"/>
+                      <a:round/>
+                      <a:headEnd type="none" w="med" len="med"/>
+                      <a:tailEnd type="none" w="med" len="med"/>
+                    </a:lnR>
+                    <a:lnT w="12700" cap="flat" cmpd="sng" algn="ctr">
+                      <a:solidFill>
+                        <a:schemeClr val="tx1"/>
+                      </a:solidFill>
+                      <a:prstDash val="solid"/>
+                      <a:round/>
+                      <a:headEnd type="none" w="med" len="med"/>
+                      <a:tailEnd type="none" w="med" len="med"/>
+                    </a:lnT>
+                    <a:lnB w="12700" cap="flat" cmpd="sng" algn="ctr">
+                      <a:noFill/>
+                      <a:prstDash val="solid"/>
+                      <a:round/>
+                      <a:headEnd type="none" w="med" len="med"/>
+                      <a:tailEnd type="none" w="med" len="med"/>
+                    </a:lnB>
+                    <a:lnTlToBr w="12700" cmpd="sng">
+                      <a:noFill/>
+                      <a:prstDash val="solid"/>
+                    </a:lnTlToBr>
+                    <a:lnBlToTr w="12700" cmpd="sng">
+                      <a:noFill/>
+                      <a:prstDash val="solid"/>
+                    </a:lnBlToTr>
+                    <a:noFill/>
+                  </a:tcPr>
+                </a:tc>
+                <a:tc>
+                  <a:txBody>
+                    <a:bodyPr/>
+                    <a:lstStyle/>
+                    <a:p>
+                      <a:endParaRPr lang="en-IN" dirty="0"/>
+                    </a:p>
+                  </a:txBody>
+                  <a:tcPr>
+                    <a:lnL w="12700" cap="flat" cmpd="sng" algn="ctr">
+                      <a:noFill/>
+                      <a:prstDash val="solid"/>
+                      <a:round/>
+                      <a:headEnd type="none" w="med" len="med"/>
+                      <a:tailEnd type="none" w="med" len="med"/>
+                    </a:lnL>
+                    <a:lnR w="12700" cap="flat" cmpd="sng" algn="ctr">
+                      <a:solidFill>
+                        <a:schemeClr val="tx1"/>
+                      </a:solidFill>
+                      <a:prstDash val="solid"/>
+                      <a:round/>
+                      <a:headEnd type="none" w="med" len="med"/>
+                      <a:tailEnd type="none" w="med" len="med"/>
+                    </a:lnR>
+                    <a:lnT w="12700" cap="flat" cmpd="sng" algn="ctr">
+                      <a:solidFill>
+                        <a:schemeClr val="tx1"/>
+                      </a:solidFill>
+                      <a:prstDash val="solid"/>
+                      <a:round/>
+                      <a:headEnd type="none" w="med" len="med"/>
+                      <a:tailEnd type="none" w="med" len="med"/>
+                    </a:lnT>
+                    <a:lnB w="12700" cap="flat" cmpd="sng" algn="ctr">
+                      <a:noFill/>
+                      <a:prstDash val="solid"/>
+                      <a:round/>
+                      <a:headEnd type="none" w="med" len="med"/>
+                      <a:tailEnd type="none" w="med" len="med"/>
+                    </a:lnB>
+                    <a:lnTlToBr w="12700" cmpd="sng">
+                      <a:noFill/>
+                      <a:prstDash val="solid"/>
+                    </a:lnTlToBr>
+                    <a:lnBlToTr w="12700" cmpd="sng">
+                      <a:noFill/>
+                      <a:prstDash val="solid"/>
+                    </a:lnBlToTr>
+                    <a:noFill/>
+                  </a:tcPr>
+                </a:tc>
+                <a:extLst>
+                  <a:ext uri="{0D108BD9-81ED-4DB2-BD59-A6C34878D82A}">
+                    <a16:rowId xmlns:a16="http://schemas.microsoft.com/office/drawing/2014/main" val="785486539"/>
+                  </a:ext>
+                </a:extLst>
+              </a:tr>
+              <a:tr h="1299956">
+                <a:tc>
+                  <a:txBody>
+                    <a:bodyPr/>
+                    <a:lstStyle/>
+                    <a:p>
+                      <a:endParaRPr lang="en-IN" dirty="0"/>
+                    </a:p>
+                  </a:txBody>
+                  <a:tcPr>
+                    <a:lnL w="12700" cap="flat" cmpd="sng" algn="ctr">
+                      <a:solidFill>
+                        <a:schemeClr val="tx1"/>
+                      </a:solidFill>
+                      <a:prstDash val="solid"/>
+                      <a:round/>
+                      <a:headEnd type="none" w="med" len="med"/>
+                      <a:tailEnd type="none" w="med" len="med"/>
+                    </a:lnL>
+                    <a:lnR w="12700" cap="flat" cmpd="sng" algn="ctr">
+                      <a:noFill/>
+                      <a:prstDash val="solid"/>
+                      <a:round/>
+                      <a:headEnd type="none" w="med" len="med"/>
+                      <a:tailEnd type="none" w="med" len="med"/>
+                    </a:lnR>
+                    <a:lnT w="12700" cap="flat" cmpd="sng" algn="ctr">
+                      <a:noFill/>
+                      <a:prstDash val="solid"/>
+                      <a:round/>
+                      <a:headEnd type="none" w="med" len="med"/>
+                      <a:tailEnd type="none" w="med" len="med"/>
+                    </a:lnT>
+                    <a:lnB w="12700" cap="flat" cmpd="sng" algn="ctr">
+                      <a:noFill/>
+                      <a:prstDash val="solid"/>
+                      <a:round/>
+                      <a:headEnd type="none" w="med" len="med"/>
+                      <a:tailEnd type="none" w="med" len="med"/>
+                    </a:lnB>
+                    <a:lnTlToBr w="12700" cmpd="sng">
+                      <a:noFill/>
+                      <a:prstDash val="solid"/>
+                    </a:lnTlToBr>
+                    <a:lnBlToTr w="12700" cmpd="sng">
+                      <a:noFill/>
+                      <a:prstDash val="solid"/>
+                    </a:lnBlToTr>
+                    <a:noFill/>
+                  </a:tcPr>
+                </a:tc>
+                <a:tc>
+                  <a:txBody>
+                    <a:bodyPr/>
+                    <a:lstStyle/>
+                    <a:p>
+                      <a:endParaRPr lang="en-IN" dirty="0"/>
+                    </a:p>
+                  </a:txBody>
+                  <a:tcPr>
+                    <a:lnL w="12700" cap="flat" cmpd="sng" algn="ctr">
+                      <a:noFill/>
+                      <a:prstDash val="solid"/>
+                      <a:round/>
+                      <a:headEnd type="none" w="med" len="med"/>
+                      <a:tailEnd type="none" w="med" len="med"/>
+                    </a:lnL>
+                    <a:lnR w="12700" cap="flat" cmpd="sng" algn="ctr">
+                      <a:noFill/>
+                      <a:prstDash val="solid"/>
+                      <a:round/>
+                      <a:headEnd type="none" w="med" len="med"/>
+                      <a:tailEnd type="none" w="med" len="med"/>
+                    </a:lnR>
+                    <a:lnT w="12700" cap="flat" cmpd="sng" algn="ctr">
+                      <a:noFill/>
+                      <a:prstDash val="solid"/>
+                      <a:round/>
+                      <a:headEnd type="none" w="med" len="med"/>
+                      <a:tailEnd type="none" w="med" len="med"/>
+                    </a:lnT>
+                    <a:lnB w="12700" cap="flat" cmpd="sng" algn="ctr">
+                      <a:noFill/>
+                      <a:prstDash val="solid"/>
+                      <a:round/>
+                      <a:headEnd type="none" w="med" len="med"/>
+                      <a:tailEnd type="none" w="med" len="med"/>
+                    </a:lnB>
+                    <a:lnTlToBr w="12700" cmpd="sng">
+                      <a:noFill/>
+                      <a:prstDash val="solid"/>
+                    </a:lnTlToBr>
+                    <a:lnBlToTr w="12700" cmpd="sng">
+                      <a:noFill/>
+                      <a:prstDash val="solid"/>
+                    </a:lnBlToTr>
+                    <a:noFill/>
+                  </a:tcPr>
+                </a:tc>
+                <a:tc>
+                  <a:txBody>
+                    <a:bodyPr/>
+                    <a:lstStyle/>
+                    <a:p>
+                      <a:endParaRPr lang="en-IN" dirty="0"/>
+                    </a:p>
+                  </a:txBody>
+                  <a:tcPr>
+                    <a:lnL w="12700" cap="flat" cmpd="sng" algn="ctr">
+                      <a:noFill/>
+                      <a:prstDash val="solid"/>
+                      <a:round/>
+                      <a:headEnd type="none" w="med" len="med"/>
+                      <a:tailEnd type="none" w="med" len="med"/>
+                    </a:lnL>
+                    <a:lnR w="12700" cap="flat" cmpd="sng" algn="ctr">
+                      <a:noFill/>
+                      <a:prstDash val="solid"/>
+                      <a:round/>
+                      <a:headEnd type="none" w="med" len="med"/>
+                      <a:tailEnd type="none" w="med" len="med"/>
+                    </a:lnR>
+                    <a:lnT w="12700" cap="flat" cmpd="sng" algn="ctr">
+                      <a:noFill/>
+                      <a:prstDash val="solid"/>
+                      <a:round/>
+                      <a:headEnd type="none" w="med" len="med"/>
+                      <a:tailEnd type="none" w="med" len="med"/>
+                    </a:lnT>
+                    <a:lnB w="12700" cap="flat" cmpd="sng" algn="ctr">
+                      <a:noFill/>
+                      <a:prstDash val="solid"/>
+                      <a:round/>
+                      <a:headEnd type="none" w="med" len="med"/>
+                      <a:tailEnd type="none" w="med" len="med"/>
+                    </a:lnB>
+                    <a:lnTlToBr w="12700" cmpd="sng">
+                      <a:noFill/>
+                      <a:prstDash val="solid"/>
+                    </a:lnTlToBr>
+                    <a:lnBlToTr w="12700" cmpd="sng">
+                      <a:noFill/>
+                      <a:prstDash val="solid"/>
+                    </a:lnBlToTr>
+                    <a:noFill/>
+                  </a:tcPr>
+                </a:tc>
+                <a:tc>
+                  <a:txBody>
+                    <a:bodyPr/>
+                    <a:lstStyle/>
+                    <a:p>
+                      <a:endParaRPr lang="en-IN" dirty="0"/>
+                    </a:p>
+                  </a:txBody>
+                  <a:tcPr>
+                    <a:lnL w="12700" cap="flat" cmpd="sng" algn="ctr">
+                      <a:noFill/>
+                      <a:prstDash val="solid"/>
+                      <a:round/>
+                      <a:headEnd type="none" w="med" len="med"/>
+                      <a:tailEnd type="none" w="med" len="med"/>
+                    </a:lnL>
+                    <a:lnR w="12700" cap="flat" cmpd="sng" algn="ctr">
+                      <a:solidFill>
+                        <a:schemeClr val="tx1"/>
+                      </a:solidFill>
+                      <a:prstDash val="solid"/>
+                      <a:round/>
+                      <a:headEnd type="none" w="med" len="med"/>
+                      <a:tailEnd type="none" w="med" len="med"/>
+                    </a:lnR>
+                    <a:lnT w="12700" cap="flat" cmpd="sng" algn="ctr">
+                      <a:noFill/>
+                      <a:prstDash val="solid"/>
+                      <a:round/>
+                      <a:headEnd type="none" w="med" len="med"/>
+                      <a:tailEnd type="none" w="med" len="med"/>
+                    </a:lnT>
+                    <a:lnB w="12700" cap="flat" cmpd="sng" algn="ctr">
+                      <a:noFill/>
+                      <a:prstDash val="solid"/>
+                      <a:round/>
+                      <a:headEnd type="none" w="med" len="med"/>
+                      <a:tailEnd type="none" w="med" len="med"/>
+                    </a:lnB>
+                    <a:lnTlToBr w="12700" cmpd="sng">
+                      <a:noFill/>
+                      <a:prstDash val="solid"/>
+                    </a:lnTlToBr>
+                    <a:lnBlToTr w="12700" cmpd="sng">
+                      <a:noFill/>
+                      <a:prstDash val="solid"/>
+                    </a:lnBlToTr>
+                    <a:noFill/>
+                  </a:tcPr>
+                </a:tc>
+                <a:extLst>
+                  <a:ext uri="{0D108BD9-81ED-4DB2-BD59-A6C34878D82A}">
+                    <a16:rowId xmlns:a16="http://schemas.microsoft.com/office/drawing/2014/main" val="3024448550"/>
+                  </a:ext>
+                </a:extLst>
+              </a:tr>
+              <a:tr h="1299956">
+                <a:tc>
+                  <a:txBody>
+                    <a:bodyPr/>
+                    <a:lstStyle/>
+                    <a:p>
+                      <a:endParaRPr lang="en-IN" dirty="0"/>
+                    </a:p>
+                  </a:txBody>
+                  <a:tcPr>
+                    <a:lnL w="12700" cap="flat" cmpd="sng" algn="ctr">
+                      <a:solidFill>
+                        <a:schemeClr val="tx1"/>
+                      </a:solidFill>
+                      <a:prstDash val="solid"/>
+                      <a:round/>
+                      <a:headEnd type="none" w="med" len="med"/>
+                      <a:tailEnd type="none" w="med" len="med"/>
+                    </a:lnL>
+                    <a:lnR w="12700" cap="flat" cmpd="sng" algn="ctr">
+                      <a:noFill/>
+                      <a:prstDash val="solid"/>
+                      <a:round/>
+                      <a:headEnd type="none" w="med" len="med"/>
+                      <a:tailEnd type="none" w="med" len="med"/>
+                    </a:lnR>
+                    <a:lnT w="12700" cap="flat" cmpd="sng" algn="ctr">
+                      <a:noFill/>
+                      <a:prstDash val="solid"/>
+                      <a:round/>
+                      <a:headEnd type="none" w="med" len="med"/>
+                      <a:tailEnd type="none" w="med" len="med"/>
+                    </a:lnT>
+                    <a:lnB w="12700" cap="flat" cmpd="sng" algn="ctr">
+                      <a:noFill/>
+                      <a:prstDash val="solid"/>
+                      <a:round/>
+                      <a:headEnd type="none" w="med" len="med"/>
+                      <a:tailEnd type="none" w="med" len="med"/>
+                    </a:lnB>
+                    <a:lnTlToBr w="12700" cmpd="sng">
+                      <a:noFill/>
+                      <a:prstDash val="solid"/>
+                    </a:lnTlToBr>
+                    <a:lnBlToTr w="12700" cmpd="sng">
+                      <a:noFill/>
+                      <a:prstDash val="solid"/>
+                    </a:lnBlToTr>
+                    <a:noFill/>
+                  </a:tcPr>
+                </a:tc>
+                <a:tc>
+                  <a:txBody>
+                    <a:bodyPr/>
+                    <a:lstStyle/>
+                    <a:p>
+                      <a:endParaRPr lang="en-IN" dirty="0"/>
+                    </a:p>
+                  </a:txBody>
+                  <a:tcPr>
+                    <a:lnL w="12700" cap="flat" cmpd="sng" algn="ctr">
+                      <a:noFill/>
+                      <a:prstDash val="solid"/>
+                      <a:round/>
+                      <a:headEnd type="none" w="med" len="med"/>
+                      <a:tailEnd type="none" w="med" len="med"/>
+                    </a:lnL>
+                    <a:lnR w="12700" cap="flat" cmpd="sng" algn="ctr">
+                      <a:noFill/>
+                      <a:prstDash val="solid"/>
+                      <a:round/>
+                      <a:headEnd type="none" w="med" len="med"/>
+                      <a:tailEnd type="none" w="med" len="med"/>
+                    </a:lnR>
+                    <a:lnT w="12700" cap="flat" cmpd="sng" algn="ctr">
+                      <a:noFill/>
+                      <a:prstDash val="solid"/>
+                      <a:round/>
+                      <a:headEnd type="none" w="med" len="med"/>
+                      <a:tailEnd type="none" w="med" len="med"/>
+                    </a:lnT>
+                    <a:lnB w="12700" cap="flat" cmpd="sng" algn="ctr">
+                      <a:noFill/>
+                      <a:prstDash val="solid"/>
+                      <a:round/>
+                      <a:headEnd type="none" w="med" len="med"/>
+                      <a:tailEnd type="none" w="med" len="med"/>
+                    </a:lnB>
+                    <a:lnTlToBr w="12700" cmpd="sng">
+                      <a:noFill/>
+                      <a:prstDash val="solid"/>
+                    </a:lnTlToBr>
+                    <a:lnBlToTr w="12700" cmpd="sng">
+                      <a:noFill/>
+                      <a:prstDash val="solid"/>
+                    </a:lnBlToTr>
+                    <a:noFill/>
+                  </a:tcPr>
+                </a:tc>
+                <a:tc>
+                  <a:txBody>
+                    <a:bodyPr/>
+                    <a:lstStyle/>
+                    <a:p>
+                      <a:endParaRPr lang="en-IN" dirty="0"/>
+                    </a:p>
+                  </a:txBody>
+                  <a:tcPr>
+                    <a:lnL w="12700" cap="flat" cmpd="sng" algn="ctr">
+                      <a:noFill/>
+                      <a:prstDash val="solid"/>
+                      <a:round/>
+                      <a:headEnd type="none" w="med" len="med"/>
+                      <a:tailEnd type="none" w="med" len="med"/>
+                    </a:lnL>
+                    <a:lnR w="12700" cap="flat" cmpd="sng" algn="ctr">
+                      <a:noFill/>
+                      <a:prstDash val="solid"/>
+                      <a:round/>
+                      <a:headEnd type="none" w="med" len="med"/>
+                      <a:tailEnd type="none" w="med" len="med"/>
+                    </a:lnR>
+                    <a:lnT w="12700" cap="flat" cmpd="sng" algn="ctr">
+                      <a:noFill/>
+                      <a:prstDash val="solid"/>
+                      <a:round/>
+                      <a:headEnd type="none" w="med" len="med"/>
+                      <a:tailEnd type="none" w="med" len="med"/>
+                    </a:lnT>
+                    <a:lnB w="12700" cap="flat" cmpd="sng" algn="ctr">
+                      <a:noFill/>
+                      <a:prstDash val="solid"/>
+                      <a:round/>
+                      <a:headEnd type="none" w="med" len="med"/>
+                      <a:tailEnd type="none" w="med" len="med"/>
+                    </a:lnB>
+                    <a:lnTlToBr w="12700" cmpd="sng">
+                      <a:noFill/>
+                      <a:prstDash val="solid"/>
+                    </a:lnTlToBr>
+                    <a:lnBlToTr w="12700" cmpd="sng">
+                      <a:noFill/>
+                      <a:prstDash val="solid"/>
+                    </a:lnBlToTr>
+                    <a:noFill/>
+                  </a:tcPr>
+                </a:tc>
+                <a:tc>
+                  <a:txBody>
+                    <a:bodyPr/>
+                    <a:lstStyle/>
+                    <a:p>
+                      <a:endParaRPr lang="en-IN" dirty="0"/>
+                    </a:p>
+                  </a:txBody>
+                  <a:tcPr>
+                    <a:lnL w="12700" cap="flat" cmpd="sng" algn="ctr">
+                      <a:noFill/>
+                      <a:prstDash val="solid"/>
+                      <a:round/>
+                      <a:headEnd type="none" w="med" len="med"/>
+                      <a:tailEnd type="none" w="med" len="med"/>
+                    </a:lnL>
+                    <a:lnR w="12700" cap="flat" cmpd="sng" algn="ctr">
+                      <a:solidFill>
+                        <a:schemeClr val="tx1"/>
+                      </a:solidFill>
+                      <a:prstDash val="solid"/>
+                      <a:round/>
+                      <a:headEnd type="none" w="med" len="med"/>
+                      <a:tailEnd type="none" w="med" len="med"/>
+                    </a:lnR>
+                    <a:lnT w="12700" cap="flat" cmpd="sng" algn="ctr">
+                      <a:noFill/>
+                      <a:prstDash val="solid"/>
+                      <a:round/>
+                      <a:headEnd type="none" w="med" len="med"/>
+                      <a:tailEnd type="none" w="med" len="med"/>
+                    </a:lnT>
+                    <a:lnB w="12700" cap="flat" cmpd="sng" algn="ctr">
+                      <a:noFill/>
+                      <a:prstDash val="solid"/>
+                      <a:round/>
+                      <a:headEnd type="none" w="med" len="med"/>
+                      <a:tailEnd type="none" w="med" len="med"/>
+                    </a:lnB>
+                    <a:lnTlToBr w="12700" cmpd="sng">
+                      <a:noFill/>
+                      <a:prstDash val="solid"/>
+                    </a:lnTlToBr>
+                    <a:lnBlToTr w="12700" cmpd="sng">
+                      <a:noFill/>
+                      <a:prstDash val="solid"/>
+                    </a:lnBlToTr>
+                    <a:noFill/>
+                  </a:tcPr>
+                </a:tc>
+                <a:extLst>
+                  <a:ext uri="{0D108BD9-81ED-4DB2-BD59-A6C34878D82A}">
+                    <a16:rowId xmlns:a16="http://schemas.microsoft.com/office/drawing/2014/main" val="1497390825"/>
+                  </a:ext>
+                </a:extLst>
+              </a:tr>
+              <a:tr h="1299956">
+                <a:tc>
+                  <a:txBody>
+                    <a:bodyPr/>
+                    <a:lstStyle/>
+                    <a:p>
+                      <a:endParaRPr lang="en-IN"/>
+                    </a:p>
+                  </a:txBody>
+                  <a:tcPr>
+                    <a:lnL w="12700" cap="flat" cmpd="sng" algn="ctr">
+                      <a:solidFill>
+                        <a:schemeClr val="tx1"/>
+                      </a:solidFill>
+                      <a:prstDash val="solid"/>
+                      <a:round/>
+                      <a:headEnd type="none" w="med" len="med"/>
+                      <a:tailEnd type="none" w="med" len="med"/>
+                    </a:lnL>
+                    <a:lnR w="12700" cap="flat" cmpd="sng" algn="ctr">
+                      <a:noFill/>
+                      <a:prstDash val="solid"/>
+                      <a:round/>
+                      <a:headEnd type="none" w="med" len="med"/>
+                      <a:tailEnd type="none" w="med" len="med"/>
+                    </a:lnR>
+                    <a:lnT w="12700" cap="flat" cmpd="sng" algn="ctr">
+                      <a:noFill/>
+                      <a:prstDash val="solid"/>
+                      <a:round/>
+                      <a:headEnd type="none" w="med" len="med"/>
+                      <a:tailEnd type="none" w="med" len="med"/>
+                    </a:lnT>
+                    <a:lnB w="12700" cap="flat" cmpd="sng" algn="ctr">
+                      <a:solidFill>
+                        <a:schemeClr val="tx1"/>
+                      </a:solidFill>
+                      <a:prstDash val="solid"/>
+                      <a:round/>
+                      <a:headEnd type="none" w="med" len="med"/>
+                      <a:tailEnd type="none" w="med" len="med"/>
+                    </a:lnB>
+                    <a:lnTlToBr w="12700" cmpd="sng">
+                      <a:noFill/>
+                      <a:prstDash val="solid"/>
+                    </a:lnTlToBr>
+                    <a:lnBlToTr w="12700" cmpd="sng">
+                      <a:noFill/>
+                      <a:prstDash val="solid"/>
+                    </a:lnBlToTr>
+                    <a:noFill/>
+                  </a:tcPr>
+                </a:tc>
+                <a:tc>
+                  <a:txBody>
+                    <a:bodyPr/>
+                    <a:lstStyle/>
+                    <a:p>
+                      <a:endParaRPr lang="en-IN" dirty="0"/>
+                    </a:p>
+                  </a:txBody>
+                  <a:tcPr>
+                    <a:lnL w="12700" cap="flat" cmpd="sng" algn="ctr">
+                      <a:noFill/>
+                      <a:prstDash val="solid"/>
+                      <a:round/>
+                      <a:headEnd type="none" w="med" len="med"/>
+                      <a:tailEnd type="none" w="med" len="med"/>
+                    </a:lnL>
+                    <a:lnR w="12700" cap="flat" cmpd="sng" algn="ctr">
+                      <a:noFill/>
+                      <a:prstDash val="solid"/>
+                      <a:round/>
+                      <a:headEnd type="none" w="med" len="med"/>
+                      <a:tailEnd type="none" w="med" len="med"/>
+                    </a:lnR>
+                    <a:lnT w="12700" cap="flat" cmpd="sng" algn="ctr">
+                      <a:noFill/>
+                      <a:prstDash val="solid"/>
+                      <a:round/>
+                      <a:headEnd type="none" w="med" len="med"/>
+                      <a:tailEnd type="none" w="med" len="med"/>
+                    </a:lnT>
+                    <a:lnB w="12700" cap="flat" cmpd="sng" algn="ctr">
+                      <a:solidFill>
+                        <a:schemeClr val="tx1"/>
+                      </a:solidFill>
+                      <a:prstDash val="solid"/>
+                      <a:round/>
+                      <a:headEnd type="none" w="med" len="med"/>
+                      <a:tailEnd type="none" w="med" len="med"/>
+                    </a:lnB>
+                    <a:lnTlToBr w="12700" cmpd="sng">
+                      <a:noFill/>
+                      <a:prstDash val="solid"/>
+                    </a:lnTlToBr>
+                    <a:lnBlToTr w="12700" cmpd="sng">
+                      <a:noFill/>
+                      <a:prstDash val="solid"/>
+                    </a:lnBlToTr>
+                    <a:noFill/>
+                  </a:tcPr>
+                </a:tc>
+                <a:tc>
+                  <a:txBody>
+                    <a:bodyPr/>
+                    <a:lstStyle/>
+                    <a:p>
+                      <a:endParaRPr lang="en-IN" dirty="0"/>
+                    </a:p>
+                  </a:txBody>
+                  <a:tcPr>
+                    <a:lnL w="12700" cap="flat" cmpd="sng" algn="ctr">
+                      <a:noFill/>
+                      <a:prstDash val="solid"/>
+                      <a:round/>
+                      <a:headEnd type="none" w="med" len="med"/>
+                      <a:tailEnd type="none" w="med" len="med"/>
+                    </a:lnL>
+                    <a:lnR w="12700" cap="flat" cmpd="sng" algn="ctr">
+                      <a:noFill/>
+                      <a:prstDash val="solid"/>
+                      <a:round/>
+                      <a:headEnd type="none" w="med" len="med"/>
+                      <a:tailEnd type="none" w="med" len="med"/>
+                    </a:lnR>
+                    <a:lnT w="12700" cap="flat" cmpd="sng" algn="ctr">
+                      <a:noFill/>
+                      <a:prstDash val="solid"/>
+                      <a:round/>
+                      <a:headEnd type="none" w="med" len="med"/>
+                      <a:tailEnd type="none" w="med" len="med"/>
+                    </a:lnT>
+                    <a:lnB w="12700" cap="flat" cmpd="sng" algn="ctr">
+                      <a:solidFill>
+                        <a:schemeClr val="tx1"/>
+                      </a:solidFill>
+                      <a:prstDash val="solid"/>
+                      <a:round/>
+                      <a:headEnd type="none" w="med" len="med"/>
+                      <a:tailEnd type="none" w="med" len="med"/>
+                    </a:lnB>
+                    <a:lnTlToBr w="12700" cmpd="sng">
+                      <a:noFill/>
+                      <a:prstDash val="solid"/>
+                    </a:lnTlToBr>
+                    <a:lnBlToTr w="12700" cmpd="sng">
+                      <a:noFill/>
+                      <a:prstDash val="solid"/>
+                    </a:lnBlToTr>
+                    <a:noFill/>
+                  </a:tcPr>
+                </a:tc>
+                <a:tc>
+                  <a:txBody>
+                    <a:bodyPr/>
+                    <a:lstStyle/>
+                    <a:p>
+                      <a:endParaRPr lang="en-IN" dirty="0"/>
+                    </a:p>
+                  </a:txBody>
+                  <a:tcPr>
+                    <a:lnL w="12700" cap="flat" cmpd="sng" algn="ctr">
+                      <a:noFill/>
+                      <a:prstDash val="solid"/>
+                      <a:round/>
+                      <a:headEnd type="none" w="med" len="med"/>
+                      <a:tailEnd type="none" w="med" len="med"/>
+                    </a:lnL>
+                    <a:lnR w="12700" cap="flat" cmpd="sng" algn="ctr">
+                      <a:solidFill>
+                        <a:schemeClr val="tx1"/>
+                      </a:solidFill>
+                      <a:prstDash val="solid"/>
+                      <a:round/>
+                      <a:headEnd type="none" w="med" len="med"/>
+                      <a:tailEnd type="none" w="med" len="med"/>
+                    </a:lnR>
+                    <a:lnT w="12700" cap="flat" cmpd="sng" algn="ctr">
+                      <a:noFill/>
+                      <a:prstDash val="solid"/>
+                      <a:round/>
+                      <a:headEnd type="none" w="med" len="med"/>
+                      <a:tailEnd type="none" w="med" len="med"/>
+                    </a:lnT>
+                    <a:lnB w="12700" cap="flat" cmpd="sng" algn="ctr">
+                      <a:solidFill>
+                        <a:schemeClr val="tx1"/>
+                      </a:solidFill>
+                      <a:prstDash val="solid"/>
+                      <a:round/>
+                      <a:headEnd type="none" w="med" len="med"/>
+                      <a:tailEnd type="none" w="med" len="med"/>
+                    </a:lnB>
+                    <a:lnTlToBr w="12700" cmpd="sng">
+                      <a:noFill/>
+                      <a:prstDash val="solid"/>
+                    </a:lnTlToBr>
+                    <a:lnBlToTr w="12700" cmpd="sng">
+                      <a:noFill/>
+                      <a:prstDash val="solid"/>
+                    </a:lnBlToTr>
+                    <a:noFill/>
+                  </a:tcPr>
+                </a:tc>
+                <a:extLst>
+                  <a:ext uri="{0D108BD9-81ED-4DB2-BD59-A6C34878D82A}">
+                    <a16:rowId xmlns:a16="http://schemas.microsoft.com/office/drawing/2014/main" val="377307705"/>
+                  </a:ext>
+                </a:extLst>
+              </a:tr>
+            </a:tbl>
+          </a:graphicData>
+        </a:graphic>
+      </p:graphicFrame>
+    </p:spTree>
+    <p:extLst>
+      <p:ext uri="{BB962C8B-B14F-4D97-AF65-F5344CB8AC3E}">
+        <p14:creationId xmlns:p14="http://schemas.microsoft.com/office/powerpoint/2010/main" val="1682226618"/>
       </p:ext>
     </p:extLst>
   </p:cSld>

--- a/slides/slides_only_figures.pptx
+++ b/slides/slides_only_figures.pptx
@@ -4361,6 +4361,898 @@
           <a:chExt cx="0" cy="0"/>
         </a:xfrm>
       </p:grpSpPr>
+      <p:graphicFrame>
+        <p:nvGraphicFramePr>
+          <p:cNvPr id="11" name="Table 11">
+            <a:extLst>
+              <a:ext uri="{FF2B5EF4-FFF2-40B4-BE49-F238E27FC236}">
+                <a16:creationId xmlns:a16="http://schemas.microsoft.com/office/drawing/2014/main" id="{1D92DDA6-DA77-415D-8DC2-0919DBBA3A6D}"/>
+              </a:ext>
+            </a:extLst>
+          </p:cNvPr>
+          <p:cNvGraphicFramePr>
+            <a:graphicFrameLocks noGrp="1"/>
+          </p:cNvGraphicFramePr>
+          <p:nvPr>
+            <p:extLst>
+              <p:ext uri="{D42A27DB-BD31-4B8C-83A1-F6EECF244321}">
+                <p14:modId xmlns:p14="http://schemas.microsoft.com/office/powerpoint/2010/main" val="2199595155"/>
+              </p:ext>
+            </p:extLst>
+          </p:nvPr>
+        </p:nvGraphicFramePr>
+        <p:xfrm>
+          <a:off x="1628716" y="385559"/>
+          <a:ext cx="5178468" cy="5199824"/>
+        </p:xfrm>
+        <a:graphic>
+          <a:graphicData uri="http://schemas.openxmlformats.org/drawingml/2006/table">
+            <a:tbl>
+              <a:tblPr firstRow="1">
+                <a:tableStyleId>{5C22544A-7EE6-4342-B048-85BDC9FD1C3A}</a:tableStyleId>
+              </a:tblPr>
+              <a:tblGrid>
+                <a:gridCol w="1294617">
+                  <a:extLst>
+                    <a:ext uri="{9D8B030D-6E8A-4147-A177-3AD203B41FA5}">
+                      <a16:colId xmlns:a16="http://schemas.microsoft.com/office/drawing/2014/main" val="3524472841"/>
+                    </a:ext>
+                  </a:extLst>
+                </a:gridCol>
+                <a:gridCol w="1294617">
+                  <a:extLst>
+                    <a:ext uri="{9D8B030D-6E8A-4147-A177-3AD203B41FA5}">
+                      <a16:colId xmlns:a16="http://schemas.microsoft.com/office/drawing/2014/main" val="2873968164"/>
+                    </a:ext>
+                  </a:extLst>
+                </a:gridCol>
+                <a:gridCol w="1294617">
+                  <a:extLst>
+                    <a:ext uri="{9D8B030D-6E8A-4147-A177-3AD203B41FA5}">
+                      <a16:colId xmlns:a16="http://schemas.microsoft.com/office/drawing/2014/main" val="2033420955"/>
+                    </a:ext>
+                  </a:extLst>
+                </a:gridCol>
+                <a:gridCol w="1294617">
+                  <a:extLst>
+                    <a:ext uri="{9D8B030D-6E8A-4147-A177-3AD203B41FA5}">
+                      <a16:colId xmlns:a16="http://schemas.microsoft.com/office/drawing/2014/main" val="442246851"/>
+                    </a:ext>
+                  </a:extLst>
+                </a:gridCol>
+              </a:tblGrid>
+              <a:tr h="1299956">
+                <a:tc>
+                  <a:txBody>
+                    <a:bodyPr/>
+                    <a:lstStyle/>
+                    <a:p>
+                      <a:endParaRPr lang="en-IN" dirty="0"/>
+                    </a:p>
+                  </a:txBody>
+                  <a:tcPr>
+                    <a:lnL w="12700" cap="flat" cmpd="sng" algn="ctr">
+                      <a:solidFill>
+                        <a:schemeClr val="tx1"/>
+                      </a:solidFill>
+                      <a:prstDash val="solid"/>
+                      <a:round/>
+                      <a:headEnd type="none" w="med" len="med"/>
+                      <a:tailEnd type="none" w="med" len="med"/>
+                    </a:lnL>
+                    <a:lnR w="12700" cap="flat" cmpd="sng" algn="ctr">
+                      <a:noFill/>
+                      <a:prstDash val="solid"/>
+                      <a:round/>
+                      <a:headEnd type="none" w="med" len="med"/>
+                      <a:tailEnd type="none" w="med" len="med"/>
+                    </a:lnR>
+                    <a:lnT w="12700" cap="flat" cmpd="sng" algn="ctr">
+                      <a:solidFill>
+                        <a:schemeClr val="tx1"/>
+                      </a:solidFill>
+                      <a:prstDash val="solid"/>
+                      <a:round/>
+                      <a:headEnd type="none" w="med" len="med"/>
+                      <a:tailEnd type="none" w="med" len="med"/>
+                    </a:lnT>
+                    <a:lnB w="12700" cap="flat" cmpd="sng" algn="ctr">
+                      <a:noFill/>
+                      <a:prstDash val="solid"/>
+                      <a:round/>
+                      <a:headEnd type="none" w="med" len="med"/>
+                      <a:tailEnd type="none" w="med" len="med"/>
+                    </a:lnB>
+                    <a:lnTlToBr w="12700" cmpd="sng">
+                      <a:noFill/>
+                      <a:prstDash val="solid"/>
+                    </a:lnTlToBr>
+                    <a:lnBlToTr w="12700" cmpd="sng">
+                      <a:noFill/>
+                      <a:prstDash val="solid"/>
+                    </a:lnBlToTr>
+                    <a:noFill/>
+                  </a:tcPr>
+                </a:tc>
+                <a:tc>
+                  <a:txBody>
+                    <a:bodyPr/>
+                    <a:lstStyle/>
+                    <a:p>
+                      <a:endParaRPr lang="en-IN" dirty="0"/>
+                    </a:p>
+                  </a:txBody>
+                  <a:tcPr>
+                    <a:lnL w="12700" cap="flat" cmpd="sng" algn="ctr">
+                      <a:noFill/>
+                      <a:prstDash val="solid"/>
+                      <a:round/>
+                      <a:headEnd type="none" w="med" len="med"/>
+                      <a:tailEnd type="none" w="med" len="med"/>
+                    </a:lnL>
+                    <a:lnR w="12700" cap="flat" cmpd="sng" algn="ctr">
+                      <a:noFill/>
+                      <a:prstDash val="solid"/>
+                      <a:round/>
+                      <a:headEnd type="none" w="med" len="med"/>
+                      <a:tailEnd type="none" w="med" len="med"/>
+                    </a:lnR>
+                    <a:lnT w="12700" cap="flat" cmpd="sng" algn="ctr">
+                      <a:solidFill>
+                        <a:schemeClr val="tx1"/>
+                      </a:solidFill>
+                      <a:prstDash val="solid"/>
+                      <a:round/>
+                      <a:headEnd type="none" w="med" len="med"/>
+                      <a:tailEnd type="none" w="med" len="med"/>
+                    </a:lnT>
+                    <a:lnB w="12700" cap="flat" cmpd="sng" algn="ctr">
+                      <a:noFill/>
+                      <a:prstDash val="solid"/>
+                      <a:round/>
+                      <a:headEnd type="none" w="med" len="med"/>
+                      <a:tailEnd type="none" w="med" len="med"/>
+                    </a:lnB>
+                    <a:lnTlToBr w="12700" cmpd="sng">
+                      <a:noFill/>
+                      <a:prstDash val="solid"/>
+                    </a:lnTlToBr>
+                    <a:lnBlToTr w="12700" cmpd="sng">
+                      <a:noFill/>
+                      <a:prstDash val="solid"/>
+                    </a:lnBlToTr>
+                    <a:noFill/>
+                  </a:tcPr>
+                </a:tc>
+                <a:tc>
+                  <a:txBody>
+                    <a:bodyPr/>
+                    <a:lstStyle/>
+                    <a:p>
+                      <a:endParaRPr lang="en-IN" dirty="0"/>
+                    </a:p>
+                  </a:txBody>
+                  <a:tcPr>
+                    <a:lnL w="12700" cap="flat" cmpd="sng" algn="ctr">
+                      <a:noFill/>
+                      <a:prstDash val="solid"/>
+                      <a:round/>
+                      <a:headEnd type="none" w="med" len="med"/>
+                      <a:tailEnd type="none" w="med" len="med"/>
+                    </a:lnL>
+                    <a:lnR w="12700" cap="flat" cmpd="sng" algn="ctr">
+                      <a:noFill/>
+                      <a:prstDash val="solid"/>
+                      <a:round/>
+                      <a:headEnd type="none" w="med" len="med"/>
+                      <a:tailEnd type="none" w="med" len="med"/>
+                    </a:lnR>
+                    <a:lnT w="12700" cap="flat" cmpd="sng" algn="ctr">
+                      <a:solidFill>
+                        <a:schemeClr val="tx1"/>
+                      </a:solidFill>
+                      <a:prstDash val="solid"/>
+                      <a:round/>
+                      <a:headEnd type="none" w="med" len="med"/>
+                      <a:tailEnd type="none" w="med" len="med"/>
+                    </a:lnT>
+                    <a:lnB w="12700" cap="flat" cmpd="sng" algn="ctr">
+                      <a:noFill/>
+                      <a:prstDash val="solid"/>
+                      <a:round/>
+                      <a:headEnd type="none" w="med" len="med"/>
+                      <a:tailEnd type="none" w="med" len="med"/>
+                    </a:lnB>
+                    <a:lnTlToBr w="12700" cmpd="sng">
+                      <a:noFill/>
+                      <a:prstDash val="solid"/>
+                    </a:lnTlToBr>
+                    <a:lnBlToTr w="12700" cmpd="sng">
+                      <a:noFill/>
+                      <a:prstDash val="solid"/>
+                    </a:lnBlToTr>
+                    <a:noFill/>
+                  </a:tcPr>
+                </a:tc>
+                <a:tc>
+                  <a:txBody>
+                    <a:bodyPr/>
+                    <a:lstStyle/>
+                    <a:p>
+                      <a:endParaRPr lang="en-IN" dirty="0"/>
+                    </a:p>
+                  </a:txBody>
+                  <a:tcPr>
+                    <a:lnL w="12700" cap="flat" cmpd="sng" algn="ctr">
+                      <a:noFill/>
+                      <a:prstDash val="solid"/>
+                      <a:round/>
+                      <a:headEnd type="none" w="med" len="med"/>
+                      <a:tailEnd type="none" w="med" len="med"/>
+                    </a:lnL>
+                    <a:lnR w="12700" cap="flat" cmpd="sng" algn="ctr">
+                      <a:solidFill>
+                        <a:schemeClr val="tx1"/>
+                      </a:solidFill>
+                      <a:prstDash val="solid"/>
+                      <a:round/>
+                      <a:headEnd type="none" w="med" len="med"/>
+                      <a:tailEnd type="none" w="med" len="med"/>
+                    </a:lnR>
+                    <a:lnT w="12700" cap="flat" cmpd="sng" algn="ctr">
+                      <a:solidFill>
+                        <a:schemeClr val="tx1"/>
+                      </a:solidFill>
+                      <a:prstDash val="solid"/>
+                      <a:round/>
+                      <a:headEnd type="none" w="med" len="med"/>
+                      <a:tailEnd type="none" w="med" len="med"/>
+                    </a:lnT>
+                    <a:lnB w="12700" cap="flat" cmpd="sng" algn="ctr">
+                      <a:noFill/>
+                      <a:prstDash val="solid"/>
+                      <a:round/>
+                      <a:headEnd type="none" w="med" len="med"/>
+                      <a:tailEnd type="none" w="med" len="med"/>
+                    </a:lnB>
+                    <a:lnTlToBr w="12700" cmpd="sng">
+                      <a:noFill/>
+                      <a:prstDash val="solid"/>
+                    </a:lnTlToBr>
+                    <a:lnBlToTr w="12700" cmpd="sng">
+                      <a:noFill/>
+                      <a:prstDash val="solid"/>
+                    </a:lnBlToTr>
+                    <a:noFill/>
+                  </a:tcPr>
+                </a:tc>
+                <a:extLst>
+                  <a:ext uri="{0D108BD9-81ED-4DB2-BD59-A6C34878D82A}">
+                    <a16:rowId xmlns:a16="http://schemas.microsoft.com/office/drawing/2014/main" val="785486539"/>
+                  </a:ext>
+                </a:extLst>
+              </a:tr>
+              <a:tr h="1299956">
+                <a:tc>
+                  <a:txBody>
+                    <a:bodyPr/>
+                    <a:lstStyle/>
+                    <a:p>
+                      <a:endParaRPr lang="en-IN" dirty="0"/>
+                    </a:p>
+                  </a:txBody>
+                  <a:tcPr>
+                    <a:lnL w="12700" cap="flat" cmpd="sng" algn="ctr">
+                      <a:solidFill>
+                        <a:schemeClr val="tx1"/>
+                      </a:solidFill>
+                      <a:prstDash val="solid"/>
+                      <a:round/>
+                      <a:headEnd type="none" w="med" len="med"/>
+                      <a:tailEnd type="none" w="med" len="med"/>
+                    </a:lnL>
+                    <a:lnR w="12700" cap="flat" cmpd="sng" algn="ctr">
+                      <a:noFill/>
+                      <a:prstDash val="solid"/>
+                      <a:round/>
+                      <a:headEnd type="none" w="med" len="med"/>
+                      <a:tailEnd type="none" w="med" len="med"/>
+                    </a:lnR>
+                    <a:lnT w="12700" cap="flat" cmpd="sng" algn="ctr">
+                      <a:noFill/>
+                      <a:prstDash val="solid"/>
+                      <a:round/>
+                      <a:headEnd type="none" w="med" len="med"/>
+                      <a:tailEnd type="none" w="med" len="med"/>
+                    </a:lnT>
+                    <a:lnB w="12700" cap="flat" cmpd="sng" algn="ctr">
+                      <a:noFill/>
+                      <a:prstDash val="solid"/>
+                      <a:round/>
+                      <a:headEnd type="none" w="med" len="med"/>
+                      <a:tailEnd type="none" w="med" len="med"/>
+                    </a:lnB>
+                    <a:lnTlToBr w="12700" cmpd="sng">
+                      <a:noFill/>
+                      <a:prstDash val="solid"/>
+                    </a:lnTlToBr>
+                    <a:lnBlToTr w="12700" cmpd="sng">
+                      <a:noFill/>
+                      <a:prstDash val="solid"/>
+                    </a:lnBlToTr>
+                    <a:noFill/>
+                  </a:tcPr>
+                </a:tc>
+                <a:tc>
+                  <a:txBody>
+                    <a:bodyPr/>
+                    <a:lstStyle/>
+                    <a:p>
+                      <a:endParaRPr lang="en-IN" dirty="0"/>
+                    </a:p>
+                  </a:txBody>
+                  <a:tcPr>
+                    <a:lnL w="12700" cap="flat" cmpd="sng" algn="ctr">
+                      <a:noFill/>
+                      <a:prstDash val="solid"/>
+                      <a:round/>
+                      <a:headEnd type="none" w="med" len="med"/>
+                      <a:tailEnd type="none" w="med" len="med"/>
+                    </a:lnL>
+                    <a:lnR w="12700" cap="flat" cmpd="sng" algn="ctr">
+                      <a:noFill/>
+                      <a:prstDash val="solid"/>
+                      <a:round/>
+                      <a:headEnd type="none" w="med" len="med"/>
+                      <a:tailEnd type="none" w="med" len="med"/>
+                    </a:lnR>
+                    <a:lnT w="12700" cap="flat" cmpd="sng" algn="ctr">
+                      <a:noFill/>
+                      <a:prstDash val="solid"/>
+                      <a:round/>
+                      <a:headEnd type="none" w="med" len="med"/>
+                      <a:tailEnd type="none" w="med" len="med"/>
+                    </a:lnT>
+                    <a:lnB w="12700" cap="flat" cmpd="sng" algn="ctr">
+                      <a:noFill/>
+                      <a:prstDash val="solid"/>
+                      <a:round/>
+                      <a:headEnd type="none" w="med" len="med"/>
+                      <a:tailEnd type="none" w="med" len="med"/>
+                    </a:lnB>
+                    <a:lnTlToBr w="12700" cmpd="sng">
+                      <a:noFill/>
+                      <a:prstDash val="solid"/>
+                    </a:lnTlToBr>
+                    <a:lnBlToTr w="12700" cmpd="sng">
+                      <a:noFill/>
+                      <a:prstDash val="solid"/>
+                    </a:lnBlToTr>
+                    <a:noFill/>
+                  </a:tcPr>
+                </a:tc>
+                <a:tc>
+                  <a:txBody>
+                    <a:bodyPr/>
+                    <a:lstStyle/>
+                    <a:p>
+                      <a:endParaRPr lang="en-IN" dirty="0"/>
+                    </a:p>
+                  </a:txBody>
+                  <a:tcPr>
+                    <a:lnL w="12700" cap="flat" cmpd="sng" algn="ctr">
+                      <a:noFill/>
+                      <a:prstDash val="solid"/>
+                      <a:round/>
+                      <a:headEnd type="none" w="med" len="med"/>
+                      <a:tailEnd type="none" w="med" len="med"/>
+                    </a:lnL>
+                    <a:lnR w="12700" cap="flat" cmpd="sng" algn="ctr">
+                      <a:noFill/>
+                      <a:prstDash val="solid"/>
+                      <a:round/>
+                      <a:headEnd type="none" w="med" len="med"/>
+                      <a:tailEnd type="none" w="med" len="med"/>
+                    </a:lnR>
+                    <a:lnT w="12700" cap="flat" cmpd="sng" algn="ctr">
+                      <a:noFill/>
+                      <a:prstDash val="solid"/>
+                      <a:round/>
+                      <a:headEnd type="none" w="med" len="med"/>
+                      <a:tailEnd type="none" w="med" len="med"/>
+                    </a:lnT>
+                    <a:lnB w="12700" cap="flat" cmpd="sng" algn="ctr">
+                      <a:noFill/>
+                      <a:prstDash val="solid"/>
+                      <a:round/>
+                      <a:headEnd type="none" w="med" len="med"/>
+                      <a:tailEnd type="none" w="med" len="med"/>
+                    </a:lnB>
+                    <a:lnTlToBr w="12700" cmpd="sng">
+                      <a:noFill/>
+                      <a:prstDash val="solid"/>
+                    </a:lnTlToBr>
+                    <a:lnBlToTr w="12700" cmpd="sng">
+                      <a:noFill/>
+                      <a:prstDash val="solid"/>
+                    </a:lnBlToTr>
+                    <a:noFill/>
+                  </a:tcPr>
+                </a:tc>
+                <a:tc>
+                  <a:txBody>
+                    <a:bodyPr/>
+                    <a:lstStyle/>
+                    <a:p>
+                      <a:endParaRPr lang="en-IN" dirty="0"/>
+                    </a:p>
+                  </a:txBody>
+                  <a:tcPr>
+                    <a:lnL w="12700" cap="flat" cmpd="sng" algn="ctr">
+                      <a:noFill/>
+                      <a:prstDash val="solid"/>
+                      <a:round/>
+                      <a:headEnd type="none" w="med" len="med"/>
+                      <a:tailEnd type="none" w="med" len="med"/>
+                    </a:lnL>
+                    <a:lnR w="12700" cap="flat" cmpd="sng" algn="ctr">
+                      <a:solidFill>
+                        <a:schemeClr val="tx1"/>
+                      </a:solidFill>
+                      <a:prstDash val="solid"/>
+                      <a:round/>
+                      <a:headEnd type="none" w="med" len="med"/>
+                      <a:tailEnd type="none" w="med" len="med"/>
+                    </a:lnR>
+                    <a:lnT w="12700" cap="flat" cmpd="sng" algn="ctr">
+                      <a:noFill/>
+                      <a:prstDash val="solid"/>
+                      <a:round/>
+                      <a:headEnd type="none" w="med" len="med"/>
+                      <a:tailEnd type="none" w="med" len="med"/>
+                    </a:lnT>
+                    <a:lnB w="12700" cap="flat" cmpd="sng" algn="ctr">
+                      <a:noFill/>
+                      <a:prstDash val="solid"/>
+                      <a:round/>
+                      <a:headEnd type="none" w="med" len="med"/>
+                      <a:tailEnd type="none" w="med" len="med"/>
+                    </a:lnB>
+                    <a:lnTlToBr w="12700" cmpd="sng">
+                      <a:noFill/>
+                      <a:prstDash val="solid"/>
+                    </a:lnTlToBr>
+                    <a:lnBlToTr w="12700" cmpd="sng">
+                      <a:noFill/>
+                      <a:prstDash val="solid"/>
+                    </a:lnBlToTr>
+                    <a:noFill/>
+                  </a:tcPr>
+                </a:tc>
+                <a:extLst>
+                  <a:ext uri="{0D108BD9-81ED-4DB2-BD59-A6C34878D82A}">
+                    <a16:rowId xmlns:a16="http://schemas.microsoft.com/office/drawing/2014/main" val="3024448550"/>
+                  </a:ext>
+                </a:extLst>
+              </a:tr>
+              <a:tr h="1299956">
+                <a:tc>
+                  <a:txBody>
+                    <a:bodyPr/>
+                    <a:lstStyle/>
+                    <a:p>
+                      <a:endParaRPr lang="en-IN" dirty="0"/>
+                    </a:p>
+                  </a:txBody>
+                  <a:tcPr>
+                    <a:lnL w="12700" cap="flat" cmpd="sng" algn="ctr">
+                      <a:solidFill>
+                        <a:schemeClr val="tx1"/>
+                      </a:solidFill>
+                      <a:prstDash val="solid"/>
+                      <a:round/>
+                      <a:headEnd type="none" w="med" len="med"/>
+                      <a:tailEnd type="none" w="med" len="med"/>
+                    </a:lnL>
+                    <a:lnR w="12700" cap="flat" cmpd="sng" algn="ctr">
+                      <a:noFill/>
+                      <a:prstDash val="solid"/>
+                      <a:round/>
+                      <a:headEnd type="none" w="med" len="med"/>
+                      <a:tailEnd type="none" w="med" len="med"/>
+                    </a:lnR>
+                    <a:lnT w="12700" cap="flat" cmpd="sng" algn="ctr">
+                      <a:noFill/>
+                      <a:prstDash val="solid"/>
+                      <a:round/>
+                      <a:headEnd type="none" w="med" len="med"/>
+                      <a:tailEnd type="none" w="med" len="med"/>
+                    </a:lnT>
+                    <a:lnB w="12700" cap="flat" cmpd="sng" algn="ctr">
+                      <a:noFill/>
+                      <a:prstDash val="solid"/>
+                      <a:round/>
+                      <a:headEnd type="none" w="med" len="med"/>
+                      <a:tailEnd type="none" w="med" len="med"/>
+                    </a:lnB>
+                    <a:lnTlToBr w="12700" cmpd="sng">
+                      <a:noFill/>
+                      <a:prstDash val="solid"/>
+                    </a:lnTlToBr>
+                    <a:lnBlToTr w="12700" cmpd="sng">
+                      <a:noFill/>
+                      <a:prstDash val="solid"/>
+                    </a:lnBlToTr>
+                    <a:noFill/>
+                  </a:tcPr>
+                </a:tc>
+                <a:tc>
+                  <a:txBody>
+                    <a:bodyPr/>
+                    <a:lstStyle/>
+                    <a:p>
+                      <a:endParaRPr lang="en-IN" dirty="0"/>
+                    </a:p>
+                  </a:txBody>
+                  <a:tcPr>
+                    <a:lnL w="12700" cap="flat" cmpd="sng" algn="ctr">
+                      <a:noFill/>
+                      <a:prstDash val="solid"/>
+                      <a:round/>
+                      <a:headEnd type="none" w="med" len="med"/>
+                      <a:tailEnd type="none" w="med" len="med"/>
+                    </a:lnL>
+                    <a:lnR w="12700" cap="flat" cmpd="sng" algn="ctr">
+                      <a:noFill/>
+                      <a:prstDash val="solid"/>
+                      <a:round/>
+                      <a:headEnd type="none" w="med" len="med"/>
+                      <a:tailEnd type="none" w="med" len="med"/>
+                    </a:lnR>
+                    <a:lnT w="12700" cap="flat" cmpd="sng" algn="ctr">
+                      <a:noFill/>
+                      <a:prstDash val="solid"/>
+                      <a:round/>
+                      <a:headEnd type="none" w="med" len="med"/>
+                      <a:tailEnd type="none" w="med" len="med"/>
+                    </a:lnT>
+                    <a:lnB w="12700" cap="flat" cmpd="sng" algn="ctr">
+                      <a:noFill/>
+                      <a:prstDash val="solid"/>
+                      <a:round/>
+                      <a:headEnd type="none" w="med" len="med"/>
+                      <a:tailEnd type="none" w="med" len="med"/>
+                    </a:lnB>
+                    <a:lnTlToBr w="12700" cmpd="sng">
+                      <a:noFill/>
+                      <a:prstDash val="solid"/>
+                    </a:lnTlToBr>
+                    <a:lnBlToTr w="12700" cmpd="sng">
+                      <a:noFill/>
+                      <a:prstDash val="solid"/>
+                    </a:lnBlToTr>
+                    <a:noFill/>
+                  </a:tcPr>
+                </a:tc>
+                <a:tc>
+                  <a:txBody>
+                    <a:bodyPr/>
+                    <a:lstStyle/>
+                    <a:p>
+                      <a:endParaRPr lang="en-IN" dirty="0"/>
+                    </a:p>
+                  </a:txBody>
+                  <a:tcPr>
+                    <a:lnL w="12700" cap="flat" cmpd="sng" algn="ctr">
+                      <a:noFill/>
+                      <a:prstDash val="solid"/>
+                      <a:round/>
+                      <a:headEnd type="none" w="med" len="med"/>
+                      <a:tailEnd type="none" w="med" len="med"/>
+                    </a:lnL>
+                    <a:lnR w="12700" cap="flat" cmpd="sng" algn="ctr">
+                      <a:noFill/>
+                      <a:prstDash val="solid"/>
+                      <a:round/>
+                      <a:headEnd type="none" w="med" len="med"/>
+                      <a:tailEnd type="none" w="med" len="med"/>
+                    </a:lnR>
+                    <a:lnT w="12700" cap="flat" cmpd="sng" algn="ctr">
+                      <a:noFill/>
+                      <a:prstDash val="solid"/>
+                      <a:round/>
+                      <a:headEnd type="none" w="med" len="med"/>
+                      <a:tailEnd type="none" w="med" len="med"/>
+                    </a:lnT>
+                    <a:lnB w="12700" cap="flat" cmpd="sng" algn="ctr">
+                      <a:noFill/>
+                      <a:prstDash val="solid"/>
+                      <a:round/>
+                      <a:headEnd type="none" w="med" len="med"/>
+                      <a:tailEnd type="none" w="med" len="med"/>
+                    </a:lnB>
+                    <a:lnTlToBr w="12700" cmpd="sng">
+                      <a:noFill/>
+                      <a:prstDash val="solid"/>
+                    </a:lnTlToBr>
+                    <a:lnBlToTr w="12700" cmpd="sng">
+                      <a:noFill/>
+                      <a:prstDash val="solid"/>
+                    </a:lnBlToTr>
+                    <a:noFill/>
+                  </a:tcPr>
+                </a:tc>
+                <a:tc>
+                  <a:txBody>
+                    <a:bodyPr/>
+                    <a:lstStyle/>
+                    <a:p>
+                      <a:endParaRPr lang="en-IN" dirty="0"/>
+                    </a:p>
+                  </a:txBody>
+                  <a:tcPr>
+                    <a:lnL w="12700" cap="flat" cmpd="sng" algn="ctr">
+                      <a:noFill/>
+                      <a:prstDash val="solid"/>
+                      <a:round/>
+                      <a:headEnd type="none" w="med" len="med"/>
+                      <a:tailEnd type="none" w="med" len="med"/>
+                    </a:lnL>
+                    <a:lnR w="12700" cap="flat" cmpd="sng" algn="ctr">
+                      <a:solidFill>
+                        <a:schemeClr val="tx1"/>
+                      </a:solidFill>
+                      <a:prstDash val="solid"/>
+                      <a:round/>
+                      <a:headEnd type="none" w="med" len="med"/>
+                      <a:tailEnd type="none" w="med" len="med"/>
+                    </a:lnR>
+                    <a:lnT w="12700" cap="flat" cmpd="sng" algn="ctr">
+                      <a:noFill/>
+                      <a:prstDash val="solid"/>
+                      <a:round/>
+                      <a:headEnd type="none" w="med" len="med"/>
+                      <a:tailEnd type="none" w="med" len="med"/>
+                    </a:lnT>
+                    <a:lnB w="12700" cap="flat" cmpd="sng" algn="ctr">
+                      <a:noFill/>
+                      <a:prstDash val="solid"/>
+                      <a:round/>
+                      <a:headEnd type="none" w="med" len="med"/>
+                      <a:tailEnd type="none" w="med" len="med"/>
+                    </a:lnB>
+                    <a:lnTlToBr w="12700" cmpd="sng">
+                      <a:noFill/>
+                      <a:prstDash val="solid"/>
+                    </a:lnTlToBr>
+                    <a:lnBlToTr w="12700" cmpd="sng">
+                      <a:noFill/>
+                      <a:prstDash val="solid"/>
+                    </a:lnBlToTr>
+                    <a:noFill/>
+                  </a:tcPr>
+                </a:tc>
+                <a:extLst>
+                  <a:ext uri="{0D108BD9-81ED-4DB2-BD59-A6C34878D82A}">
+                    <a16:rowId xmlns:a16="http://schemas.microsoft.com/office/drawing/2014/main" val="1497390825"/>
+                  </a:ext>
+                </a:extLst>
+              </a:tr>
+              <a:tr h="1299956">
+                <a:tc>
+                  <a:txBody>
+                    <a:bodyPr/>
+                    <a:lstStyle/>
+                    <a:p>
+                      <a:endParaRPr lang="en-IN"/>
+                    </a:p>
+                  </a:txBody>
+                  <a:tcPr>
+                    <a:lnL w="12700" cap="flat" cmpd="sng" algn="ctr">
+                      <a:solidFill>
+                        <a:schemeClr val="tx1"/>
+                      </a:solidFill>
+                      <a:prstDash val="solid"/>
+                      <a:round/>
+                      <a:headEnd type="none" w="med" len="med"/>
+                      <a:tailEnd type="none" w="med" len="med"/>
+                    </a:lnL>
+                    <a:lnR w="12700" cap="flat" cmpd="sng" algn="ctr">
+                      <a:noFill/>
+                      <a:prstDash val="solid"/>
+                      <a:round/>
+                      <a:headEnd type="none" w="med" len="med"/>
+                      <a:tailEnd type="none" w="med" len="med"/>
+                    </a:lnR>
+                    <a:lnT w="12700" cap="flat" cmpd="sng" algn="ctr">
+                      <a:noFill/>
+                      <a:prstDash val="solid"/>
+                      <a:round/>
+                      <a:headEnd type="none" w="med" len="med"/>
+                      <a:tailEnd type="none" w="med" len="med"/>
+                    </a:lnT>
+                    <a:lnB w="12700" cap="flat" cmpd="sng" algn="ctr">
+                      <a:solidFill>
+                        <a:schemeClr val="tx1"/>
+                      </a:solidFill>
+                      <a:prstDash val="solid"/>
+                      <a:round/>
+                      <a:headEnd type="none" w="med" len="med"/>
+                      <a:tailEnd type="none" w="med" len="med"/>
+                    </a:lnB>
+                    <a:lnTlToBr w="12700" cmpd="sng">
+                      <a:noFill/>
+                      <a:prstDash val="solid"/>
+                    </a:lnTlToBr>
+                    <a:lnBlToTr w="12700" cmpd="sng">
+                      <a:noFill/>
+                      <a:prstDash val="solid"/>
+                    </a:lnBlToTr>
+                    <a:noFill/>
+                  </a:tcPr>
+                </a:tc>
+                <a:tc>
+                  <a:txBody>
+                    <a:bodyPr/>
+                    <a:lstStyle/>
+                    <a:p>
+                      <a:endParaRPr lang="en-IN" dirty="0"/>
+                    </a:p>
+                  </a:txBody>
+                  <a:tcPr>
+                    <a:lnL w="12700" cap="flat" cmpd="sng" algn="ctr">
+                      <a:noFill/>
+                      <a:prstDash val="solid"/>
+                      <a:round/>
+                      <a:headEnd type="none" w="med" len="med"/>
+                      <a:tailEnd type="none" w="med" len="med"/>
+                    </a:lnL>
+                    <a:lnR w="12700" cap="flat" cmpd="sng" algn="ctr">
+                      <a:noFill/>
+                      <a:prstDash val="solid"/>
+                      <a:round/>
+                      <a:headEnd type="none" w="med" len="med"/>
+                      <a:tailEnd type="none" w="med" len="med"/>
+                    </a:lnR>
+                    <a:lnT w="12700" cap="flat" cmpd="sng" algn="ctr">
+                      <a:noFill/>
+                      <a:prstDash val="solid"/>
+                      <a:round/>
+                      <a:headEnd type="none" w="med" len="med"/>
+                      <a:tailEnd type="none" w="med" len="med"/>
+                    </a:lnT>
+                    <a:lnB w="12700" cap="flat" cmpd="sng" algn="ctr">
+                      <a:solidFill>
+                        <a:schemeClr val="tx1"/>
+                      </a:solidFill>
+                      <a:prstDash val="solid"/>
+                      <a:round/>
+                      <a:headEnd type="none" w="med" len="med"/>
+                      <a:tailEnd type="none" w="med" len="med"/>
+                    </a:lnB>
+                    <a:lnTlToBr w="12700" cmpd="sng">
+                      <a:noFill/>
+                      <a:prstDash val="solid"/>
+                    </a:lnTlToBr>
+                    <a:lnBlToTr w="12700" cmpd="sng">
+                      <a:noFill/>
+                      <a:prstDash val="solid"/>
+                    </a:lnBlToTr>
+                    <a:noFill/>
+                  </a:tcPr>
+                </a:tc>
+                <a:tc>
+                  <a:txBody>
+                    <a:bodyPr/>
+                    <a:lstStyle/>
+                    <a:p>
+                      <a:endParaRPr lang="en-IN" dirty="0"/>
+                    </a:p>
+                  </a:txBody>
+                  <a:tcPr>
+                    <a:lnL w="12700" cap="flat" cmpd="sng" algn="ctr">
+                      <a:noFill/>
+                      <a:prstDash val="solid"/>
+                      <a:round/>
+                      <a:headEnd type="none" w="med" len="med"/>
+                      <a:tailEnd type="none" w="med" len="med"/>
+                    </a:lnL>
+                    <a:lnR w="12700" cap="flat" cmpd="sng" algn="ctr">
+                      <a:noFill/>
+                      <a:prstDash val="solid"/>
+                      <a:round/>
+                      <a:headEnd type="none" w="med" len="med"/>
+                      <a:tailEnd type="none" w="med" len="med"/>
+                    </a:lnR>
+                    <a:lnT w="12700" cap="flat" cmpd="sng" algn="ctr">
+                      <a:noFill/>
+                      <a:prstDash val="solid"/>
+                      <a:round/>
+                      <a:headEnd type="none" w="med" len="med"/>
+                      <a:tailEnd type="none" w="med" len="med"/>
+                    </a:lnT>
+                    <a:lnB w="12700" cap="flat" cmpd="sng" algn="ctr">
+                      <a:solidFill>
+                        <a:schemeClr val="tx1"/>
+                      </a:solidFill>
+                      <a:prstDash val="solid"/>
+                      <a:round/>
+                      <a:headEnd type="none" w="med" len="med"/>
+                      <a:tailEnd type="none" w="med" len="med"/>
+                    </a:lnB>
+                    <a:lnTlToBr w="12700" cmpd="sng">
+                      <a:noFill/>
+                      <a:prstDash val="solid"/>
+                    </a:lnTlToBr>
+                    <a:lnBlToTr w="12700" cmpd="sng">
+                      <a:noFill/>
+                      <a:prstDash val="solid"/>
+                    </a:lnBlToTr>
+                    <a:noFill/>
+                  </a:tcPr>
+                </a:tc>
+                <a:tc>
+                  <a:txBody>
+                    <a:bodyPr/>
+                    <a:lstStyle/>
+                    <a:p>
+                      <a:endParaRPr lang="en-IN" dirty="0"/>
+                    </a:p>
+                  </a:txBody>
+                  <a:tcPr>
+                    <a:lnL w="12700" cap="flat" cmpd="sng" algn="ctr">
+                      <a:noFill/>
+                      <a:prstDash val="solid"/>
+                      <a:round/>
+                      <a:headEnd type="none" w="med" len="med"/>
+                      <a:tailEnd type="none" w="med" len="med"/>
+                    </a:lnL>
+                    <a:lnR w="12700" cap="flat" cmpd="sng" algn="ctr">
+                      <a:solidFill>
+                        <a:schemeClr val="tx1"/>
+                      </a:solidFill>
+                      <a:prstDash val="solid"/>
+                      <a:round/>
+                      <a:headEnd type="none" w="med" len="med"/>
+                      <a:tailEnd type="none" w="med" len="med"/>
+                    </a:lnR>
+                    <a:lnT w="12700" cap="flat" cmpd="sng" algn="ctr">
+                      <a:noFill/>
+                      <a:prstDash val="solid"/>
+                      <a:round/>
+                      <a:headEnd type="none" w="med" len="med"/>
+                      <a:tailEnd type="none" w="med" len="med"/>
+                    </a:lnT>
+                    <a:lnB w="12700" cap="flat" cmpd="sng" algn="ctr">
+                      <a:solidFill>
+                        <a:schemeClr val="tx1"/>
+                      </a:solidFill>
+                      <a:prstDash val="solid"/>
+                      <a:round/>
+                      <a:headEnd type="none" w="med" len="med"/>
+                      <a:tailEnd type="none" w="med" len="med"/>
+                    </a:lnB>
+                    <a:lnTlToBr w="12700" cmpd="sng">
+                      <a:noFill/>
+                      <a:prstDash val="solid"/>
+                    </a:lnTlToBr>
+                    <a:lnBlToTr w="12700" cmpd="sng">
+                      <a:noFill/>
+                      <a:prstDash val="solid"/>
+                    </a:lnBlToTr>
+                    <a:noFill/>
+                  </a:tcPr>
+                </a:tc>
+                <a:extLst>
+                  <a:ext uri="{0D108BD9-81ED-4DB2-BD59-A6C34878D82A}">
+                    <a16:rowId xmlns:a16="http://schemas.microsoft.com/office/drawing/2014/main" val="377307705"/>
+                  </a:ext>
+                </a:extLst>
+              </a:tr>
+            </a:tbl>
+          </a:graphicData>
+        </a:graphic>
+      </p:graphicFrame>
       <p:sp>
         <p:nvSpPr>
           <p:cNvPr id="15" name="Rectangle 14">
@@ -4975,8 +5867,8 @@
           </a:p>
         </p:txBody>
       </p:sp>
-      <mc:AlternateContent xmlns:mc="http://schemas.openxmlformats.org/markup-compatibility/2006" xmlns:a14="http://schemas.microsoft.com/office/drawing/2010/main">
-        <mc:Choice Requires="a14">
+      <mc:AlternateContent xmlns:mc="http://schemas.openxmlformats.org/markup-compatibility/2006">
+        <mc:Choice xmlns:a14="http://schemas.microsoft.com/office/drawing/2010/main" Requires="a14">
           <p:sp>
             <p:nvSpPr>
               <p:cNvPr id="22" name="TextBox 21">
@@ -5041,7 +5933,7 @@
                         <a:rPr lang="en-US" sz="2400" b="1" i="1" smtClean="0">
                           <a:latin typeface="Cambria Math" panose="02040503050406030204" pitchFamily="18" charset="0"/>
                         </a:rPr>
-                        <m:t>≤</m:t>
+                        <m:t>&lt;</m:t>
                       </m:r>
                       <m:r>
                         <a:rPr lang="en-US" sz="2400" b="1" i="1" smtClean="0">
@@ -5150,7 +6042,7 @@
             </p:txBody>
           </p:sp>
         </mc:Choice>
-        <mc:Fallback xmlns="">
+        <mc:Fallback>
           <p:sp>
             <p:nvSpPr>
               <p:cNvPr id="22" name="TextBox 21">
@@ -5587,898 +6479,6 @@
           </a:p>
         </p:txBody>
       </p:sp>
-      <p:graphicFrame>
-        <p:nvGraphicFramePr>
-          <p:cNvPr id="11" name="Table 11">
-            <a:extLst>
-              <a:ext uri="{FF2B5EF4-FFF2-40B4-BE49-F238E27FC236}">
-                <a16:creationId xmlns:a16="http://schemas.microsoft.com/office/drawing/2014/main" id="{1D92DDA6-DA77-415D-8DC2-0919DBBA3A6D}"/>
-              </a:ext>
-            </a:extLst>
-          </p:cNvPr>
-          <p:cNvGraphicFramePr>
-            <a:graphicFrameLocks noGrp="1"/>
-          </p:cNvGraphicFramePr>
-          <p:nvPr>
-            <p:extLst>
-              <p:ext uri="{D42A27DB-BD31-4B8C-83A1-F6EECF244321}">
-                <p14:modId xmlns:p14="http://schemas.microsoft.com/office/powerpoint/2010/main" val="2199595155"/>
-              </p:ext>
-            </p:extLst>
-          </p:nvPr>
-        </p:nvGraphicFramePr>
-        <p:xfrm>
-          <a:off x="1628716" y="385559"/>
-          <a:ext cx="5178468" cy="5199824"/>
-        </p:xfrm>
-        <a:graphic>
-          <a:graphicData uri="http://schemas.openxmlformats.org/drawingml/2006/table">
-            <a:tbl>
-              <a:tblPr firstRow="1">
-                <a:tableStyleId>{5C22544A-7EE6-4342-B048-85BDC9FD1C3A}</a:tableStyleId>
-              </a:tblPr>
-              <a:tblGrid>
-                <a:gridCol w="1294617">
-                  <a:extLst>
-                    <a:ext uri="{9D8B030D-6E8A-4147-A177-3AD203B41FA5}">
-                      <a16:colId xmlns:a16="http://schemas.microsoft.com/office/drawing/2014/main" val="3524472841"/>
-                    </a:ext>
-                  </a:extLst>
-                </a:gridCol>
-                <a:gridCol w="1294617">
-                  <a:extLst>
-                    <a:ext uri="{9D8B030D-6E8A-4147-A177-3AD203B41FA5}">
-                      <a16:colId xmlns:a16="http://schemas.microsoft.com/office/drawing/2014/main" val="2873968164"/>
-                    </a:ext>
-                  </a:extLst>
-                </a:gridCol>
-                <a:gridCol w="1294617">
-                  <a:extLst>
-                    <a:ext uri="{9D8B030D-6E8A-4147-A177-3AD203B41FA5}">
-                      <a16:colId xmlns:a16="http://schemas.microsoft.com/office/drawing/2014/main" val="2033420955"/>
-                    </a:ext>
-                  </a:extLst>
-                </a:gridCol>
-                <a:gridCol w="1294617">
-                  <a:extLst>
-                    <a:ext uri="{9D8B030D-6E8A-4147-A177-3AD203B41FA5}">
-                      <a16:colId xmlns:a16="http://schemas.microsoft.com/office/drawing/2014/main" val="442246851"/>
-                    </a:ext>
-                  </a:extLst>
-                </a:gridCol>
-              </a:tblGrid>
-              <a:tr h="1299956">
-                <a:tc>
-                  <a:txBody>
-                    <a:bodyPr/>
-                    <a:lstStyle/>
-                    <a:p>
-                      <a:endParaRPr lang="en-IN" dirty="0"/>
-                    </a:p>
-                  </a:txBody>
-                  <a:tcPr>
-                    <a:lnL w="12700" cap="flat" cmpd="sng" algn="ctr">
-                      <a:solidFill>
-                        <a:schemeClr val="tx1"/>
-                      </a:solidFill>
-                      <a:prstDash val="solid"/>
-                      <a:round/>
-                      <a:headEnd type="none" w="med" len="med"/>
-                      <a:tailEnd type="none" w="med" len="med"/>
-                    </a:lnL>
-                    <a:lnR w="12700" cap="flat" cmpd="sng" algn="ctr">
-                      <a:noFill/>
-                      <a:prstDash val="solid"/>
-                      <a:round/>
-                      <a:headEnd type="none" w="med" len="med"/>
-                      <a:tailEnd type="none" w="med" len="med"/>
-                    </a:lnR>
-                    <a:lnT w="12700" cap="flat" cmpd="sng" algn="ctr">
-                      <a:solidFill>
-                        <a:schemeClr val="tx1"/>
-                      </a:solidFill>
-                      <a:prstDash val="solid"/>
-                      <a:round/>
-                      <a:headEnd type="none" w="med" len="med"/>
-                      <a:tailEnd type="none" w="med" len="med"/>
-                    </a:lnT>
-                    <a:lnB w="12700" cap="flat" cmpd="sng" algn="ctr">
-                      <a:noFill/>
-                      <a:prstDash val="solid"/>
-                      <a:round/>
-                      <a:headEnd type="none" w="med" len="med"/>
-                      <a:tailEnd type="none" w="med" len="med"/>
-                    </a:lnB>
-                    <a:lnTlToBr w="12700" cmpd="sng">
-                      <a:noFill/>
-                      <a:prstDash val="solid"/>
-                    </a:lnTlToBr>
-                    <a:lnBlToTr w="12700" cmpd="sng">
-                      <a:noFill/>
-                      <a:prstDash val="solid"/>
-                    </a:lnBlToTr>
-                    <a:noFill/>
-                  </a:tcPr>
-                </a:tc>
-                <a:tc>
-                  <a:txBody>
-                    <a:bodyPr/>
-                    <a:lstStyle/>
-                    <a:p>
-                      <a:endParaRPr lang="en-IN" dirty="0"/>
-                    </a:p>
-                  </a:txBody>
-                  <a:tcPr>
-                    <a:lnL w="12700" cap="flat" cmpd="sng" algn="ctr">
-                      <a:noFill/>
-                      <a:prstDash val="solid"/>
-                      <a:round/>
-                      <a:headEnd type="none" w="med" len="med"/>
-                      <a:tailEnd type="none" w="med" len="med"/>
-                    </a:lnL>
-                    <a:lnR w="12700" cap="flat" cmpd="sng" algn="ctr">
-                      <a:noFill/>
-                      <a:prstDash val="solid"/>
-                      <a:round/>
-                      <a:headEnd type="none" w="med" len="med"/>
-                      <a:tailEnd type="none" w="med" len="med"/>
-                    </a:lnR>
-                    <a:lnT w="12700" cap="flat" cmpd="sng" algn="ctr">
-                      <a:solidFill>
-                        <a:schemeClr val="tx1"/>
-                      </a:solidFill>
-                      <a:prstDash val="solid"/>
-                      <a:round/>
-                      <a:headEnd type="none" w="med" len="med"/>
-                      <a:tailEnd type="none" w="med" len="med"/>
-                    </a:lnT>
-                    <a:lnB w="12700" cap="flat" cmpd="sng" algn="ctr">
-                      <a:noFill/>
-                      <a:prstDash val="solid"/>
-                      <a:round/>
-                      <a:headEnd type="none" w="med" len="med"/>
-                      <a:tailEnd type="none" w="med" len="med"/>
-                    </a:lnB>
-                    <a:lnTlToBr w="12700" cmpd="sng">
-                      <a:noFill/>
-                      <a:prstDash val="solid"/>
-                    </a:lnTlToBr>
-                    <a:lnBlToTr w="12700" cmpd="sng">
-                      <a:noFill/>
-                      <a:prstDash val="solid"/>
-                    </a:lnBlToTr>
-                    <a:noFill/>
-                  </a:tcPr>
-                </a:tc>
-                <a:tc>
-                  <a:txBody>
-                    <a:bodyPr/>
-                    <a:lstStyle/>
-                    <a:p>
-                      <a:endParaRPr lang="en-IN" dirty="0"/>
-                    </a:p>
-                  </a:txBody>
-                  <a:tcPr>
-                    <a:lnL w="12700" cap="flat" cmpd="sng" algn="ctr">
-                      <a:noFill/>
-                      <a:prstDash val="solid"/>
-                      <a:round/>
-                      <a:headEnd type="none" w="med" len="med"/>
-                      <a:tailEnd type="none" w="med" len="med"/>
-                    </a:lnL>
-                    <a:lnR w="12700" cap="flat" cmpd="sng" algn="ctr">
-                      <a:noFill/>
-                      <a:prstDash val="solid"/>
-                      <a:round/>
-                      <a:headEnd type="none" w="med" len="med"/>
-                      <a:tailEnd type="none" w="med" len="med"/>
-                    </a:lnR>
-                    <a:lnT w="12700" cap="flat" cmpd="sng" algn="ctr">
-                      <a:solidFill>
-                        <a:schemeClr val="tx1"/>
-                      </a:solidFill>
-                      <a:prstDash val="solid"/>
-                      <a:round/>
-                      <a:headEnd type="none" w="med" len="med"/>
-                      <a:tailEnd type="none" w="med" len="med"/>
-                    </a:lnT>
-                    <a:lnB w="12700" cap="flat" cmpd="sng" algn="ctr">
-                      <a:noFill/>
-                      <a:prstDash val="solid"/>
-                      <a:round/>
-                      <a:headEnd type="none" w="med" len="med"/>
-                      <a:tailEnd type="none" w="med" len="med"/>
-                    </a:lnB>
-                    <a:lnTlToBr w="12700" cmpd="sng">
-                      <a:noFill/>
-                      <a:prstDash val="solid"/>
-                    </a:lnTlToBr>
-                    <a:lnBlToTr w="12700" cmpd="sng">
-                      <a:noFill/>
-                      <a:prstDash val="solid"/>
-                    </a:lnBlToTr>
-                    <a:noFill/>
-                  </a:tcPr>
-                </a:tc>
-                <a:tc>
-                  <a:txBody>
-                    <a:bodyPr/>
-                    <a:lstStyle/>
-                    <a:p>
-                      <a:endParaRPr lang="en-IN" dirty="0"/>
-                    </a:p>
-                  </a:txBody>
-                  <a:tcPr>
-                    <a:lnL w="12700" cap="flat" cmpd="sng" algn="ctr">
-                      <a:noFill/>
-                      <a:prstDash val="solid"/>
-                      <a:round/>
-                      <a:headEnd type="none" w="med" len="med"/>
-                      <a:tailEnd type="none" w="med" len="med"/>
-                    </a:lnL>
-                    <a:lnR w="12700" cap="flat" cmpd="sng" algn="ctr">
-                      <a:solidFill>
-                        <a:schemeClr val="tx1"/>
-                      </a:solidFill>
-                      <a:prstDash val="solid"/>
-                      <a:round/>
-                      <a:headEnd type="none" w="med" len="med"/>
-                      <a:tailEnd type="none" w="med" len="med"/>
-                    </a:lnR>
-                    <a:lnT w="12700" cap="flat" cmpd="sng" algn="ctr">
-                      <a:solidFill>
-                        <a:schemeClr val="tx1"/>
-                      </a:solidFill>
-                      <a:prstDash val="solid"/>
-                      <a:round/>
-                      <a:headEnd type="none" w="med" len="med"/>
-                      <a:tailEnd type="none" w="med" len="med"/>
-                    </a:lnT>
-                    <a:lnB w="12700" cap="flat" cmpd="sng" algn="ctr">
-                      <a:noFill/>
-                      <a:prstDash val="solid"/>
-                      <a:round/>
-                      <a:headEnd type="none" w="med" len="med"/>
-                      <a:tailEnd type="none" w="med" len="med"/>
-                    </a:lnB>
-                    <a:lnTlToBr w="12700" cmpd="sng">
-                      <a:noFill/>
-                      <a:prstDash val="solid"/>
-                    </a:lnTlToBr>
-                    <a:lnBlToTr w="12700" cmpd="sng">
-                      <a:noFill/>
-                      <a:prstDash val="solid"/>
-                    </a:lnBlToTr>
-                    <a:noFill/>
-                  </a:tcPr>
-                </a:tc>
-                <a:extLst>
-                  <a:ext uri="{0D108BD9-81ED-4DB2-BD59-A6C34878D82A}">
-                    <a16:rowId xmlns:a16="http://schemas.microsoft.com/office/drawing/2014/main" val="785486539"/>
-                  </a:ext>
-                </a:extLst>
-              </a:tr>
-              <a:tr h="1299956">
-                <a:tc>
-                  <a:txBody>
-                    <a:bodyPr/>
-                    <a:lstStyle/>
-                    <a:p>
-                      <a:endParaRPr lang="en-IN" dirty="0"/>
-                    </a:p>
-                  </a:txBody>
-                  <a:tcPr>
-                    <a:lnL w="12700" cap="flat" cmpd="sng" algn="ctr">
-                      <a:solidFill>
-                        <a:schemeClr val="tx1"/>
-                      </a:solidFill>
-                      <a:prstDash val="solid"/>
-                      <a:round/>
-                      <a:headEnd type="none" w="med" len="med"/>
-                      <a:tailEnd type="none" w="med" len="med"/>
-                    </a:lnL>
-                    <a:lnR w="12700" cap="flat" cmpd="sng" algn="ctr">
-                      <a:noFill/>
-                      <a:prstDash val="solid"/>
-                      <a:round/>
-                      <a:headEnd type="none" w="med" len="med"/>
-                      <a:tailEnd type="none" w="med" len="med"/>
-                    </a:lnR>
-                    <a:lnT w="12700" cap="flat" cmpd="sng" algn="ctr">
-                      <a:noFill/>
-                      <a:prstDash val="solid"/>
-                      <a:round/>
-                      <a:headEnd type="none" w="med" len="med"/>
-                      <a:tailEnd type="none" w="med" len="med"/>
-                    </a:lnT>
-                    <a:lnB w="12700" cap="flat" cmpd="sng" algn="ctr">
-                      <a:noFill/>
-                      <a:prstDash val="solid"/>
-                      <a:round/>
-                      <a:headEnd type="none" w="med" len="med"/>
-                      <a:tailEnd type="none" w="med" len="med"/>
-                    </a:lnB>
-                    <a:lnTlToBr w="12700" cmpd="sng">
-                      <a:noFill/>
-                      <a:prstDash val="solid"/>
-                    </a:lnTlToBr>
-                    <a:lnBlToTr w="12700" cmpd="sng">
-                      <a:noFill/>
-                      <a:prstDash val="solid"/>
-                    </a:lnBlToTr>
-                    <a:noFill/>
-                  </a:tcPr>
-                </a:tc>
-                <a:tc>
-                  <a:txBody>
-                    <a:bodyPr/>
-                    <a:lstStyle/>
-                    <a:p>
-                      <a:endParaRPr lang="en-IN" dirty="0"/>
-                    </a:p>
-                  </a:txBody>
-                  <a:tcPr>
-                    <a:lnL w="12700" cap="flat" cmpd="sng" algn="ctr">
-                      <a:noFill/>
-                      <a:prstDash val="solid"/>
-                      <a:round/>
-                      <a:headEnd type="none" w="med" len="med"/>
-                      <a:tailEnd type="none" w="med" len="med"/>
-                    </a:lnL>
-                    <a:lnR w="12700" cap="flat" cmpd="sng" algn="ctr">
-                      <a:noFill/>
-                      <a:prstDash val="solid"/>
-                      <a:round/>
-                      <a:headEnd type="none" w="med" len="med"/>
-                      <a:tailEnd type="none" w="med" len="med"/>
-                    </a:lnR>
-                    <a:lnT w="12700" cap="flat" cmpd="sng" algn="ctr">
-                      <a:noFill/>
-                      <a:prstDash val="solid"/>
-                      <a:round/>
-                      <a:headEnd type="none" w="med" len="med"/>
-                      <a:tailEnd type="none" w="med" len="med"/>
-                    </a:lnT>
-                    <a:lnB w="12700" cap="flat" cmpd="sng" algn="ctr">
-                      <a:noFill/>
-                      <a:prstDash val="solid"/>
-                      <a:round/>
-                      <a:headEnd type="none" w="med" len="med"/>
-                      <a:tailEnd type="none" w="med" len="med"/>
-                    </a:lnB>
-                    <a:lnTlToBr w="12700" cmpd="sng">
-                      <a:noFill/>
-                      <a:prstDash val="solid"/>
-                    </a:lnTlToBr>
-                    <a:lnBlToTr w="12700" cmpd="sng">
-                      <a:noFill/>
-                      <a:prstDash val="solid"/>
-                    </a:lnBlToTr>
-                    <a:noFill/>
-                  </a:tcPr>
-                </a:tc>
-                <a:tc>
-                  <a:txBody>
-                    <a:bodyPr/>
-                    <a:lstStyle/>
-                    <a:p>
-                      <a:endParaRPr lang="en-IN" dirty="0"/>
-                    </a:p>
-                  </a:txBody>
-                  <a:tcPr>
-                    <a:lnL w="12700" cap="flat" cmpd="sng" algn="ctr">
-                      <a:noFill/>
-                      <a:prstDash val="solid"/>
-                      <a:round/>
-                      <a:headEnd type="none" w="med" len="med"/>
-                      <a:tailEnd type="none" w="med" len="med"/>
-                    </a:lnL>
-                    <a:lnR w="12700" cap="flat" cmpd="sng" algn="ctr">
-                      <a:noFill/>
-                      <a:prstDash val="solid"/>
-                      <a:round/>
-                      <a:headEnd type="none" w="med" len="med"/>
-                      <a:tailEnd type="none" w="med" len="med"/>
-                    </a:lnR>
-                    <a:lnT w="12700" cap="flat" cmpd="sng" algn="ctr">
-                      <a:noFill/>
-                      <a:prstDash val="solid"/>
-                      <a:round/>
-                      <a:headEnd type="none" w="med" len="med"/>
-                      <a:tailEnd type="none" w="med" len="med"/>
-                    </a:lnT>
-                    <a:lnB w="12700" cap="flat" cmpd="sng" algn="ctr">
-                      <a:noFill/>
-                      <a:prstDash val="solid"/>
-                      <a:round/>
-                      <a:headEnd type="none" w="med" len="med"/>
-                      <a:tailEnd type="none" w="med" len="med"/>
-                    </a:lnB>
-                    <a:lnTlToBr w="12700" cmpd="sng">
-                      <a:noFill/>
-                      <a:prstDash val="solid"/>
-                    </a:lnTlToBr>
-                    <a:lnBlToTr w="12700" cmpd="sng">
-                      <a:noFill/>
-                      <a:prstDash val="solid"/>
-                    </a:lnBlToTr>
-                    <a:noFill/>
-                  </a:tcPr>
-                </a:tc>
-                <a:tc>
-                  <a:txBody>
-                    <a:bodyPr/>
-                    <a:lstStyle/>
-                    <a:p>
-                      <a:endParaRPr lang="en-IN" dirty="0"/>
-                    </a:p>
-                  </a:txBody>
-                  <a:tcPr>
-                    <a:lnL w="12700" cap="flat" cmpd="sng" algn="ctr">
-                      <a:noFill/>
-                      <a:prstDash val="solid"/>
-                      <a:round/>
-                      <a:headEnd type="none" w="med" len="med"/>
-                      <a:tailEnd type="none" w="med" len="med"/>
-                    </a:lnL>
-                    <a:lnR w="12700" cap="flat" cmpd="sng" algn="ctr">
-                      <a:solidFill>
-                        <a:schemeClr val="tx1"/>
-                      </a:solidFill>
-                      <a:prstDash val="solid"/>
-                      <a:round/>
-                      <a:headEnd type="none" w="med" len="med"/>
-                      <a:tailEnd type="none" w="med" len="med"/>
-                    </a:lnR>
-                    <a:lnT w="12700" cap="flat" cmpd="sng" algn="ctr">
-                      <a:noFill/>
-                      <a:prstDash val="solid"/>
-                      <a:round/>
-                      <a:headEnd type="none" w="med" len="med"/>
-                      <a:tailEnd type="none" w="med" len="med"/>
-                    </a:lnT>
-                    <a:lnB w="12700" cap="flat" cmpd="sng" algn="ctr">
-                      <a:noFill/>
-                      <a:prstDash val="solid"/>
-                      <a:round/>
-                      <a:headEnd type="none" w="med" len="med"/>
-                      <a:tailEnd type="none" w="med" len="med"/>
-                    </a:lnB>
-                    <a:lnTlToBr w="12700" cmpd="sng">
-                      <a:noFill/>
-                      <a:prstDash val="solid"/>
-                    </a:lnTlToBr>
-                    <a:lnBlToTr w="12700" cmpd="sng">
-                      <a:noFill/>
-                      <a:prstDash val="solid"/>
-                    </a:lnBlToTr>
-                    <a:noFill/>
-                  </a:tcPr>
-                </a:tc>
-                <a:extLst>
-                  <a:ext uri="{0D108BD9-81ED-4DB2-BD59-A6C34878D82A}">
-                    <a16:rowId xmlns:a16="http://schemas.microsoft.com/office/drawing/2014/main" val="3024448550"/>
-                  </a:ext>
-                </a:extLst>
-              </a:tr>
-              <a:tr h="1299956">
-                <a:tc>
-                  <a:txBody>
-                    <a:bodyPr/>
-                    <a:lstStyle/>
-                    <a:p>
-                      <a:endParaRPr lang="en-IN" dirty="0"/>
-                    </a:p>
-                  </a:txBody>
-                  <a:tcPr>
-                    <a:lnL w="12700" cap="flat" cmpd="sng" algn="ctr">
-                      <a:solidFill>
-                        <a:schemeClr val="tx1"/>
-                      </a:solidFill>
-                      <a:prstDash val="solid"/>
-                      <a:round/>
-                      <a:headEnd type="none" w="med" len="med"/>
-                      <a:tailEnd type="none" w="med" len="med"/>
-                    </a:lnL>
-                    <a:lnR w="12700" cap="flat" cmpd="sng" algn="ctr">
-                      <a:noFill/>
-                      <a:prstDash val="solid"/>
-                      <a:round/>
-                      <a:headEnd type="none" w="med" len="med"/>
-                      <a:tailEnd type="none" w="med" len="med"/>
-                    </a:lnR>
-                    <a:lnT w="12700" cap="flat" cmpd="sng" algn="ctr">
-                      <a:noFill/>
-                      <a:prstDash val="solid"/>
-                      <a:round/>
-                      <a:headEnd type="none" w="med" len="med"/>
-                      <a:tailEnd type="none" w="med" len="med"/>
-                    </a:lnT>
-                    <a:lnB w="12700" cap="flat" cmpd="sng" algn="ctr">
-                      <a:noFill/>
-                      <a:prstDash val="solid"/>
-                      <a:round/>
-                      <a:headEnd type="none" w="med" len="med"/>
-                      <a:tailEnd type="none" w="med" len="med"/>
-                    </a:lnB>
-                    <a:lnTlToBr w="12700" cmpd="sng">
-                      <a:noFill/>
-                      <a:prstDash val="solid"/>
-                    </a:lnTlToBr>
-                    <a:lnBlToTr w="12700" cmpd="sng">
-                      <a:noFill/>
-                      <a:prstDash val="solid"/>
-                    </a:lnBlToTr>
-                    <a:noFill/>
-                  </a:tcPr>
-                </a:tc>
-                <a:tc>
-                  <a:txBody>
-                    <a:bodyPr/>
-                    <a:lstStyle/>
-                    <a:p>
-                      <a:endParaRPr lang="en-IN" dirty="0"/>
-                    </a:p>
-                  </a:txBody>
-                  <a:tcPr>
-                    <a:lnL w="12700" cap="flat" cmpd="sng" algn="ctr">
-                      <a:noFill/>
-                      <a:prstDash val="solid"/>
-                      <a:round/>
-                      <a:headEnd type="none" w="med" len="med"/>
-                      <a:tailEnd type="none" w="med" len="med"/>
-                    </a:lnL>
-                    <a:lnR w="12700" cap="flat" cmpd="sng" algn="ctr">
-                      <a:noFill/>
-                      <a:prstDash val="solid"/>
-                      <a:round/>
-                      <a:headEnd type="none" w="med" len="med"/>
-                      <a:tailEnd type="none" w="med" len="med"/>
-                    </a:lnR>
-                    <a:lnT w="12700" cap="flat" cmpd="sng" algn="ctr">
-                      <a:noFill/>
-                      <a:prstDash val="solid"/>
-                      <a:round/>
-                      <a:headEnd type="none" w="med" len="med"/>
-                      <a:tailEnd type="none" w="med" len="med"/>
-                    </a:lnT>
-                    <a:lnB w="12700" cap="flat" cmpd="sng" algn="ctr">
-                      <a:noFill/>
-                      <a:prstDash val="solid"/>
-                      <a:round/>
-                      <a:headEnd type="none" w="med" len="med"/>
-                      <a:tailEnd type="none" w="med" len="med"/>
-                    </a:lnB>
-                    <a:lnTlToBr w="12700" cmpd="sng">
-                      <a:noFill/>
-                      <a:prstDash val="solid"/>
-                    </a:lnTlToBr>
-                    <a:lnBlToTr w="12700" cmpd="sng">
-                      <a:noFill/>
-                      <a:prstDash val="solid"/>
-                    </a:lnBlToTr>
-                    <a:noFill/>
-                  </a:tcPr>
-                </a:tc>
-                <a:tc>
-                  <a:txBody>
-                    <a:bodyPr/>
-                    <a:lstStyle/>
-                    <a:p>
-                      <a:endParaRPr lang="en-IN" dirty="0"/>
-                    </a:p>
-                  </a:txBody>
-                  <a:tcPr>
-                    <a:lnL w="12700" cap="flat" cmpd="sng" algn="ctr">
-                      <a:noFill/>
-                      <a:prstDash val="solid"/>
-                      <a:round/>
-                      <a:headEnd type="none" w="med" len="med"/>
-                      <a:tailEnd type="none" w="med" len="med"/>
-                    </a:lnL>
-                    <a:lnR w="12700" cap="flat" cmpd="sng" algn="ctr">
-                      <a:noFill/>
-                      <a:prstDash val="solid"/>
-                      <a:round/>
-                      <a:headEnd type="none" w="med" len="med"/>
-                      <a:tailEnd type="none" w="med" len="med"/>
-                    </a:lnR>
-                    <a:lnT w="12700" cap="flat" cmpd="sng" algn="ctr">
-                      <a:noFill/>
-                      <a:prstDash val="solid"/>
-                      <a:round/>
-                      <a:headEnd type="none" w="med" len="med"/>
-                      <a:tailEnd type="none" w="med" len="med"/>
-                    </a:lnT>
-                    <a:lnB w="12700" cap="flat" cmpd="sng" algn="ctr">
-                      <a:noFill/>
-                      <a:prstDash val="solid"/>
-                      <a:round/>
-                      <a:headEnd type="none" w="med" len="med"/>
-                      <a:tailEnd type="none" w="med" len="med"/>
-                    </a:lnB>
-                    <a:lnTlToBr w="12700" cmpd="sng">
-                      <a:noFill/>
-                      <a:prstDash val="solid"/>
-                    </a:lnTlToBr>
-                    <a:lnBlToTr w="12700" cmpd="sng">
-                      <a:noFill/>
-                      <a:prstDash val="solid"/>
-                    </a:lnBlToTr>
-                    <a:noFill/>
-                  </a:tcPr>
-                </a:tc>
-                <a:tc>
-                  <a:txBody>
-                    <a:bodyPr/>
-                    <a:lstStyle/>
-                    <a:p>
-                      <a:endParaRPr lang="en-IN" dirty="0"/>
-                    </a:p>
-                  </a:txBody>
-                  <a:tcPr>
-                    <a:lnL w="12700" cap="flat" cmpd="sng" algn="ctr">
-                      <a:noFill/>
-                      <a:prstDash val="solid"/>
-                      <a:round/>
-                      <a:headEnd type="none" w="med" len="med"/>
-                      <a:tailEnd type="none" w="med" len="med"/>
-                    </a:lnL>
-                    <a:lnR w="12700" cap="flat" cmpd="sng" algn="ctr">
-                      <a:solidFill>
-                        <a:schemeClr val="tx1"/>
-                      </a:solidFill>
-                      <a:prstDash val="solid"/>
-                      <a:round/>
-                      <a:headEnd type="none" w="med" len="med"/>
-                      <a:tailEnd type="none" w="med" len="med"/>
-                    </a:lnR>
-                    <a:lnT w="12700" cap="flat" cmpd="sng" algn="ctr">
-                      <a:noFill/>
-                      <a:prstDash val="solid"/>
-                      <a:round/>
-                      <a:headEnd type="none" w="med" len="med"/>
-                      <a:tailEnd type="none" w="med" len="med"/>
-                    </a:lnT>
-                    <a:lnB w="12700" cap="flat" cmpd="sng" algn="ctr">
-                      <a:noFill/>
-                      <a:prstDash val="solid"/>
-                      <a:round/>
-                      <a:headEnd type="none" w="med" len="med"/>
-                      <a:tailEnd type="none" w="med" len="med"/>
-                    </a:lnB>
-                    <a:lnTlToBr w="12700" cmpd="sng">
-                      <a:noFill/>
-                      <a:prstDash val="solid"/>
-                    </a:lnTlToBr>
-                    <a:lnBlToTr w="12700" cmpd="sng">
-                      <a:noFill/>
-                      <a:prstDash val="solid"/>
-                    </a:lnBlToTr>
-                    <a:noFill/>
-                  </a:tcPr>
-                </a:tc>
-                <a:extLst>
-                  <a:ext uri="{0D108BD9-81ED-4DB2-BD59-A6C34878D82A}">
-                    <a16:rowId xmlns:a16="http://schemas.microsoft.com/office/drawing/2014/main" val="1497390825"/>
-                  </a:ext>
-                </a:extLst>
-              </a:tr>
-              <a:tr h="1299956">
-                <a:tc>
-                  <a:txBody>
-                    <a:bodyPr/>
-                    <a:lstStyle/>
-                    <a:p>
-                      <a:endParaRPr lang="en-IN"/>
-                    </a:p>
-                  </a:txBody>
-                  <a:tcPr>
-                    <a:lnL w="12700" cap="flat" cmpd="sng" algn="ctr">
-                      <a:solidFill>
-                        <a:schemeClr val="tx1"/>
-                      </a:solidFill>
-                      <a:prstDash val="solid"/>
-                      <a:round/>
-                      <a:headEnd type="none" w="med" len="med"/>
-                      <a:tailEnd type="none" w="med" len="med"/>
-                    </a:lnL>
-                    <a:lnR w="12700" cap="flat" cmpd="sng" algn="ctr">
-                      <a:noFill/>
-                      <a:prstDash val="solid"/>
-                      <a:round/>
-                      <a:headEnd type="none" w="med" len="med"/>
-                      <a:tailEnd type="none" w="med" len="med"/>
-                    </a:lnR>
-                    <a:lnT w="12700" cap="flat" cmpd="sng" algn="ctr">
-                      <a:noFill/>
-                      <a:prstDash val="solid"/>
-                      <a:round/>
-                      <a:headEnd type="none" w="med" len="med"/>
-                      <a:tailEnd type="none" w="med" len="med"/>
-                    </a:lnT>
-                    <a:lnB w="12700" cap="flat" cmpd="sng" algn="ctr">
-                      <a:solidFill>
-                        <a:schemeClr val="tx1"/>
-                      </a:solidFill>
-                      <a:prstDash val="solid"/>
-                      <a:round/>
-                      <a:headEnd type="none" w="med" len="med"/>
-                      <a:tailEnd type="none" w="med" len="med"/>
-                    </a:lnB>
-                    <a:lnTlToBr w="12700" cmpd="sng">
-                      <a:noFill/>
-                      <a:prstDash val="solid"/>
-                    </a:lnTlToBr>
-                    <a:lnBlToTr w="12700" cmpd="sng">
-                      <a:noFill/>
-                      <a:prstDash val="solid"/>
-                    </a:lnBlToTr>
-                    <a:noFill/>
-                  </a:tcPr>
-                </a:tc>
-                <a:tc>
-                  <a:txBody>
-                    <a:bodyPr/>
-                    <a:lstStyle/>
-                    <a:p>
-                      <a:endParaRPr lang="en-IN" dirty="0"/>
-                    </a:p>
-                  </a:txBody>
-                  <a:tcPr>
-                    <a:lnL w="12700" cap="flat" cmpd="sng" algn="ctr">
-                      <a:noFill/>
-                      <a:prstDash val="solid"/>
-                      <a:round/>
-                      <a:headEnd type="none" w="med" len="med"/>
-                      <a:tailEnd type="none" w="med" len="med"/>
-                    </a:lnL>
-                    <a:lnR w="12700" cap="flat" cmpd="sng" algn="ctr">
-                      <a:noFill/>
-                      <a:prstDash val="solid"/>
-                      <a:round/>
-                      <a:headEnd type="none" w="med" len="med"/>
-                      <a:tailEnd type="none" w="med" len="med"/>
-                    </a:lnR>
-                    <a:lnT w="12700" cap="flat" cmpd="sng" algn="ctr">
-                      <a:noFill/>
-                      <a:prstDash val="solid"/>
-                      <a:round/>
-                      <a:headEnd type="none" w="med" len="med"/>
-                      <a:tailEnd type="none" w="med" len="med"/>
-                    </a:lnT>
-                    <a:lnB w="12700" cap="flat" cmpd="sng" algn="ctr">
-                      <a:solidFill>
-                        <a:schemeClr val="tx1"/>
-                      </a:solidFill>
-                      <a:prstDash val="solid"/>
-                      <a:round/>
-                      <a:headEnd type="none" w="med" len="med"/>
-                      <a:tailEnd type="none" w="med" len="med"/>
-                    </a:lnB>
-                    <a:lnTlToBr w="12700" cmpd="sng">
-                      <a:noFill/>
-                      <a:prstDash val="solid"/>
-                    </a:lnTlToBr>
-                    <a:lnBlToTr w="12700" cmpd="sng">
-                      <a:noFill/>
-                      <a:prstDash val="solid"/>
-                    </a:lnBlToTr>
-                    <a:noFill/>
-                  </a:tcPr>
-                </a:tc>
-                <a:tc>
-                  <a:txBody>
-                    <a:bodyPr/>
-                    <a:lstStyle/>
-                    <a:p>
-                      <a:endParaRPr lang="en-IN" dirty="0"/>
-                    </a:p>
-                  </a:txBody>
-                  <a:tcPr>
-                    <a:lnL w="12700" cap="flat" cmpd="sng" algn="ctr">
-                      <a:noFill/>
-                      <a:prstDash val="solid"/>
-                      <a:round/>
-                      <a:headEnd type="none" w="med" len="med"/>
-                      <a:tailEnd type="none" w="med" len="med"/>
-                    </a:lnL>
-                    <a:lnR w="12700" cap="flat" cmpd="sng" algn="ctr">
-                      <a:noFill/>
-                      <a:prstDash val="solid"/>
-                      <a:round/>
-                      <a:headEnd type="none" w="med" len="med"/>
-                      <a:tailEnd type="none" w="med" len="med"/>
-                    </a:lnR>
-                    <a:lnT w="12700" cap="flat" cmpd="sng" algn="ctr">
-                      <a:noFill/>
-                      <a:prstDash val="solid"/>
-                      <a:round/>
-                      <a:headEnd type="none" w="med" len="med"/>
-                      <a:tailEnd type="none" w="med" len="med"/>
-                    </a:lnT>
-                    <a:lnB w="12700" cap="flat" cmpd="sng" algn="ctr">
-                      <a:solidFill>
-                        <a:schemeClr val="tx1"/>
-                      </a:solidFill>
-                      <a:prstDash val="solid"/>
-                      <a:round/>
-                      <a:headEnd type="none" w="med" len="med"/>
-                      <a:tailEnd type="none" w="med" len="med"/>
-                    </a:lnB>
-                    <a:lnTlToBr w="12700" cmpd="sng">
-                      <a:noFill/>
-                      <a:prstDash val="solid"/>
-                    </a:lnTlToBr>
-                    <a:lnBlToTr w="12700" cmpd="sng">
-                      <a:noFill/>
-                      <a:prstDash val="solid"/>
-                    </a:lnBlToTr>
-                    <a:noFill/>
-                  </a:tcPr>
-                </a:tc>
-                <a:tc>
-                  <a:txBody>
-                    <a:bodyPr/>
-                    <a:lstStyle/>
-                    <a:p>
-                      <a:endParaRPr lang="en-IN" dirty="0"/>
-                    </a:p>
-                  </a:txBody>
-                  <a:tcPr>
-                    <a:lnL w="12700" cap="flat" cmpd="sng" algn="ctr">
-                      <a:noFill/>
-                      <a:prstDash val="solid"/>
-                      <a:round/>
-                      <a:headEnd type="none" w="med" len="med"/>
-                      <a:tailEnd type="none" w="med" len="med"/>
-                    </a:lnL>
-                    <a:lnR w="12700" cap="flat" cmpd="sng" algn="ctr">
-                      <a:solidFill>
-                        <a:schemeClr val="tx1"/>
-                      </a:solidFill>
-                      <a:prstDash val="solid"/>
-                      <a:round/>
-                      <a:headEnd type="none" w="med" len="med"/>
-                      <a:tailEnd type="none" w="med" len="med"/>
-                    </a:lnR>
-                    <a:lnT w="12700" cap="flat" cmpd="sng" algn="ctr">
-                      <a:noFill/>
-                      <a:prstDash val="solid"/>
-                      <a:round/>
-                      <a:headEnd type="none" w="med" len="med"/>
-                      <a:tailEnd type="none" w="med" len="med"/>
-                    </a:lnT>
-                    <a:lnB w="12700" cap="flat" cmpd="sng" algn="ctr">
-                      <a:solidFill>
-                        <a:schemeClr val="tx1"/>
-                      </a:solidFill>
-                      <a:prstDash val="solid"/>
-                      <a:round/>
-                      <a:headEnd type="none" w="med" len="med"/>
-                      <a:tailEnd type="none" w="med" len="med"/>
-                    </a:lnB>
-                    <a:lnTlToBr w="12700" cmpd="sng">
-                      <a:noFill/>
-                      <a:prstDash val="solid"/>
-                    </a:lnTlToBr>
-                    <a:lnBlToTr w="12700" cmpd="sng">
-                      <a:noFill/>
-                      <a:prstDash val="solid"/>
-                    </a:lnBlToTr>
-                    <a:noFill/>
-                  </a:tcPr>
-                </a:tc>
-                <a:extLst>
-                  <a:ext uri="{0D108BD9-81ED-4DB2-BD59-A6C34878D82A}">
-                    <a16:rowId xmlns:a16="http://schemas.microsoft.com/office/drawing/2014/main" val="377307705"/>
-                  </a:ext>
-                </a:extLst>
-              </a:tr>
-            </a:tbl>
-          </a:graphicData>
-        </a:graphic>
-      </p:graphicFrame>
     </p:spTree>
     <p:extLst>
       <p:ext uri="{BB962C8B-B14F-4D97-AF65-F5344CB8AC3E}">
